--- a/Documentation written by me/Documente facute pentru facultate/SI_prezentare_finala.pptx
+++ b/Documentation written by me/Documente facute pentru facultate/SI_prezentare_finala.pptx
@@ -27,14 +27,12 @@
     <p:sldId id="282" r:id="rId21"/>
     <p:sldId id="283" r:id="rId22"/>
     <p:sldId id="272" r:id="rId23"/>
-    <p:sldId id="284" r:id="rId24"/>
-    <p:sldId id="275" r:id="rId25"/>
-    <p:sldId id="276" r:id="rId26"/>
-    <p:sldId id="288" r:id="rId27"/>
-    <p:sldId id="289" r:id="rId28"/>
-    <p:sldId id="277" r:id="rId29"/>
-    <p:sldId id="285" r:id="rId30"/>
-    <p:sldId id="286" r:id="rId31"/>
+    <p:sldId id="275" r:id="rId24"/>
+    <p:sldId id="290" r:id="rId25"/>
+    <p:sldId id="291" r:id="rId26"/>
+    <p:sldId id="277" r:id="rId27"/>
+    <p:sldId id="285" r:id="rId28"/>
+    <p:sldId id="286" r:id="rId29"/>
   </p:sldIdLst>
   <p:sldSz cx="9144000" cy="6858000" type="screen4x3"/>
   <p:notesSz cx="6858000" cy="9144000"/>
@@ -318,7 +316,7 @@
             <a:fld id="{1D8BD707-D9CF-40AE-B4C6-C98DA3205C09}" type="datetimeFigureOut">
               <a:rPr lang="en-US" smtClean="0"/>
               <a:pPr/>
-              <a:t>4/25/2016</a:t>
+              <a:t>4/27/2016</a:t>
             </a:fld>
             <a:endParaRPr lang="en-US"/>
           </a:p>
@@ -485,7 +483,7 @@
             <a:fld id="{1D8BD707-D9CF-40AE-B4C6-C98DA3205C09}" type="datetimeFigureOut">
               <a:rPr lang="en-US" smtClean="0"/>
               <a:pPr/>
-              <a:t>4/25/2016</a:t>
+              <a:t>4/27/2016</a:t>
             </a:fld>
             <a:endParaRPr lang="en-US"/>
           </a:p>
@@ -662,7 +660,7 @@
             <a:fld id="{1D8BD707-D9CF-40AE-B4C6-C98DA3205C09}" type="datetimeFigureOut">
               <a:rPr lang="en-US" smtClean="0"/>
               <a:pPr/>
-              <a:t>4/25/2016</a:t>
+              <a:t>4/27/2016</a:t>
             </a:fld>
             <a:endParaRPr lang="en-US"/>
           </a:p>
@@ -829,7 +827,7 @@
             <a:fld id="{1D8BD707-D9CF-40AE-B4C6-C98DA3205C09}" type="datetimeFigureOut">
               <a:rPr lang="en-US" smtClean="0"/>
               <a:pPr/>
-              <a:t>4/25/2016</a:t>
+              <a:t>4/27/2016</a:t>
             </a:fld>
             <a:endParaRPr lang="en-US"/>
           </a:p>
@@ -1072,7 +1070,7 @@
             <a:fld id="{1D8BD707-D9CF-40AE-B4C6-C98DA3205C09}" type="datetimeFigureOut">
               <a:rPr lang="en-US" smtClean="0"/>
               <a:pPr/>
-              <a:t>4/25/2016</a:t>
+              <a:t>4/27/2016</a:t>
             </a:fld>
             <a:endParaRPr lang="en-US"/>
           </a:p>
@@ -1357,7 +1355,7 @@
             <a:fld id="{1D8BD707-D9CF-40AE-B4C6-C98DA3205C09}" type="datetimeFigureOut">
               <a:rPr lang="en-US" smtClean="0"/>
               <a:pPr/>
-              <a:t>4/25/2016</a:t>
+              <a:t>4/27/2016</a:t>
             </a:fld>
             <a:endParaRPr lang="en-US"/>
           </a:p>
@@ -1776,7 +1774,7 @@
             <a:fld id="{1D8BD707-D9CF-40AE-B4C6-C98DA3205C09}" type="datetimeFigureOut">
               <a:rPr lang="en-US" smtClean="0"/>
               <a:pPr/>
-              <a:t>4/25/2016</a:t>
+              <a:t>4/27/2016</a:t>
             </a:fld>
             <a:endParaRPr lang="en-US"/>
           </a:p>
@@ -1891,7 +1889,7 @@
             <a:fld id="{1D8BD707-D9CF-40AE-B4C6-C98DA3205C09}" type="datetimeFigureOut">
               <a:rPr lang="en-US" smtClean="0"/>
               <a:pPr/>
-              <a:t>4/25/2016</a:t>
+              <a:t>4/27/2016</a:t>
             </a:fld>
             <a:endParaRPr lang="en-US"/>
           </a:p>
@@ -1983,7 +1981,7 @@
             <a:fld id="{1D8BD707-D9CF-40AE-B4C6-C98DA3205C09}" type="datetimeFigureOut">
               <a:rPr lang="en-US" smtClean="0"/>
               <a:pPr/>
-              <a:t>4/25/2016</a:t>
+              <a:t>4/27/2016</a:t>
             </a:fld>
             <a:endParaRPr lang="en-US"/>
           </a:p>
@@ -2257,7 +2255,7 @@
             <a:fld id="{1D8BD707-D9CF-40AE-B4C6-C98DA3205C09}" type="datetimeFigureOut">
               <a:rPr lang="en-US" smtClean="0"/>
               <a:pPr/>
-              <a:t>4/25/2016</a:t>
+              <a:t>4/27/2016</a:t>
             </a:fld>
             <a:endParaRPr lang="en-US"/>
           </a:p>
@@ -2507,7 +2505,7 @@
             <a:fld id="{1D8BD707-D9CF-40AE-B4C6-C98DA3205C09}" type="datetimeFigureOut">
               <a:rPr lang="en-US" smtClean="0"/>
               <a:pPr/>
-              <a:t>4/25/2016</a:t>
+              <a:t>4/27/2016</a:t>
             </a:fld>
             <a:endParaRPr lang="en-US"/>
           </a:p>
@@ -2717,7 +2715,7 @@
             <a:fld id="{1D8BD707-D9CF-40AE-B4C6-C98DA3205C09}" type="datetimeFigureOut">
               <a:rPr lang="en-US" smtClean="0"/>
               <a:pPr/>
-              <a:t>4/25/2016</a:t>
+              <a:t>4/27/2016</a:t>
             </a:fld>
             <a:endParaRPr lang="en-US"/>
           </a:p>
@@ -3793,7 +3791,15 @@
             </a:r>
             <a:r>
               <a:rPr lang="en-US" b="1" dirty="0" smtClean="0"/>
-              <a:t> – use case</a:t>
+              <a:t> – </a:t>
+            </a:r>
+            <a:r>
+              <a:rPr lang="ro-RO" b="1" dirty="0" smtClean="0"/>
+              <a:t>flow</a:t>
+            </a:r>
+            <a:r>
+              <a:rPr lang="en-US" b="1" dirty="0" smtClean="0"/>
+              <a:t/>
             </a:r>
             <a:br>
               <a:rPr lang="en-US" b="1" dirty="0" smtClean="0"/>
@@ -3802,6 +3808,47 @@
           </a:p>
         </p:txBody>
       </p:sp>
+      <p:pic>
+        <p:nvPicPr>
+          <p:cNvPr id="1026" name="Picture 2" descr="C:\Users\Student\Desktop\david\flowDiagram - playGame.png"/>
+          <p:cNvPicPr>
+            <a:picLocks noChangeAspect="1" noChangeArrowheads="1"/>
+          </p:cNvPicPr>
+          <p:nvPr/>
+        </p:nvPicPr>
+        <p:blipFill>
+          <a:blip r:embed="rId3" cstate="print">
+            <a:extLst>
+              <a:ext uri="{28A0092B-C50C-407E-A947-70E740481C1C}">
+                <a14:useLocalDpi xmlns:a14="http://schemas.microsoft.com/office/drawing/2010/main" xmlns="" val="0"/>
+              </a:ext>
+            </a:extLst>
+          </a:blip>
+          <a:srcRect/>
+          <a:stretch>
+            <a:fillRect/>
+          </a:stretch>
+        </p:blipFill>
+        <p:spPr bwMode="auto">
+          <a:xfrm>
+            <a:off x="609600" y="1295400"/>
+            <a:ext cx="8096251" cy="4413250"/>
+          </a:xfrm>
+          <a:prstGeom prst="rect">
+            <a:avLst/>
+          </a:prstGeom>
+          <a:noFill/>
+          <a:extLst>
+            <a:ext uri="{909E8E84-426E-40DD-AFC4-6F175D3DCCD1}">
+              <a14:hiddenFill xmlns:a14="http://schemas.microsoft.com/office/drawing/2010/main" xmlns="">
+                <a:solidFill>
+                  <a:srgbClr val="FFFFFF"/>
+                </a:solidFill>
+              </a14:hiddenFill>
+            </a:ext>
+          </a:extLst>
+        </p:spPr>
+      </p:pic>
     </p:spTree>
   </p:cSld>
   <p:clrMapOvr>
@@ -4170,50 +4217,6 @@
             <a:r>
               <a:rPr lang="en-US" dirty="0" err="1" smtClean="0"/>
               <a:t>secunde</a:t>
-            </a:r>
-            <a:endParaRPr lang="en-US" dirty="0" smtClean="0"/>
-          </a:p>
-          <a:p>
-            <a:pPr>
-              <a:buNone/>
-            </a:pPr>
-            <a:r>
-              <a:rPr lang="en-US" b="1" dirty="0" err="1" smtClean="0"/>
-              <a:t>Suportabilitatea</a:t>
-            </a:r>
-            <a:endParaRPr lang="en-US" b="1" dirty="0" smtClean="0"/>
-          </a:p>
-          <a:p>
-            <a:pPr lvl="1">
-              <a:buNone/>
-            </a:pPr>
-            <a:r>
-              <a:rPr lang="en-US" dirty="0" err="1" smtClean="0"/>
-              <a:t>Facilitatea</a:t>
-            </a:r>
-            <a:r>
-              <a:rPr lang="en-US" dirty="0" smtClean="0"/>
-              <a:t> </a:t>
-            </a:r>
-            <a:r>
-              <a:rPr lang="en-US" dirty="0" err="1" smtClean="0"/>
-              <a:t>dezvoltarii</a:t>
-            </a:r>
-            <a:r>
-              <a:rPr lang="en-US" dirty="0" smtClean="0"/>
-              <a:t> </a:t>
-            </a:r>
-            <a:r>
-              <a:rPr lang="en-US" dirty="0" err="1" smtClean="0"/>
-              <a:t>ulterioare</a:t>
-            </a:r>
-            <a:r>
-              <a:rPr lang="en-US" dirty="0" smtClean="0"/>
-              <a:t> a </a:t>
-            </a:r>
-            <a:r>
-              <a:rPr lang="en-US" dirty="0" err="1" smtClean="0"/>
-              <a:t>sistemului</a:t>
             </a:r>
             <a:endParaRPr lang="en-US" dirty="0" smtClean="0"/>
           </a:p>
@@ -5696,22 +5699,14 @@
       </p:sp>
       <p:pic>
         <p:nvPicPr>
-          <p:cNvPr id="4" name="Content Placeholder 3"/>
+          <p:cNvPr id="1026" name="Picture 2" descr="E:\Facultate\Licenta\chessEngine-documentation\Documentation written by me\resurse Photoshop\serverArchitecture copy.png"/>
           <p:cNvPicPr>
-            <a:picLocks noGrp="1" noChangeAspect="1" noChangeArrowheads="1"/>
+            <a:picLocks noChangeAspect="1" noChangeArrowheads="1"/>
           </p:cNvPicPr>
-          <p:nvPr>
-            <p:ph idx="1"/>
-          </p:nvPr>
+          <p:nvPr/>
         </p:nvPicPr>
         <p:blipFill>
-          <a:blip r:embed="rId3" cstate="print">
-            <a:extLst>
-              <a:ext uri="{28A0092B-C50C-407E-A947-70E740481C1C}">
-                <a14:useLocalDpi xmlns:a14="http://schemas.microsoft.com/office/drawing/2010/main" xmlns="" val="0"/>
-              </a:ext>
-            </a:extLst>
-          </a:blip>
+          <a:blip r:embed="rId3" cstate="print"/>
           <a:srcRect/>
           <a:stretch>
             <a:fillRect/>
@@ -5719,45 +5714,13 @@
         </p:blipFill>
         <p:spPr bwMode="auto">
           <a:xfrm>
-            <a:off x="2057400" y="1524000"/>
-            <a:ext cx="5062488" cy="3602559"/>
+            <a:off x="1371600" y="838200"/>
+            <a:ext cx="7297738" cy="5459856"/>
           </a:xfrm>
           <a:prstGeom prst="rect">
             <a:avLst/>
           </a:prstGeom>
           <a:noFill/>
-          <a:ln>
-            <a:noFill/>
-          </a:ln>
-          <a:effectLst/>
-          <a:extLst>
-            <a:ext uri="{909E8E84-426E-40DD-AFC4-6F175D3DCCD1}">
-              <a14:hiddenFill xmlns:a14="http://schemas.microsoft.com/office/drawing/2010/main" xmlns="">
-                <a:solidFill>
-                  <a:schemeClr val="accent1"/>
-                </a:solidFill>
-              </a14:hiddenFill>
-            </a:ext>
-            <a:ext uri="{91240B29-F687-4F45-9708-019B960494DF}">
-              <a14:hiddenLine xmlns:a14="http://schemas.microsoft.com/office/drawing/2010/main" xmlns="" w="9525">
-                <a:solidFill>
-                  <a:schemeClr val="tx1"/>
-                </a:solidFill>
-                <a:miter lim="800000"/>
-                <a:headEnd/>
-                <a:tailEnd/>
-              </a14:hiddenLine>
-            </a:ext>
-            <a:ext uri="{AF507438-7753-43E0-B8FC-AC1667EBCBE1}">
-              <a14:hiddenEffects xmlns:a14="http://schemas.microsoft.com/office/drawing/2010/main" xmlns="">
-                <a:effectLst>
-                  <a:outerShdw dist="35921" dir="2700000" algn="ctr" rotWithShape="0">
-                    <a:schemeClr val="bg2"/>
-                  </a:outerShdw>
-                </a:effectLst>
-              </a14:hiddenEffects>
-            </a:ext>
-          </a:extLst>
         </p:spPr>
       </p:pic>
     </p:spTree>
@@ -5913,7 +5876,7 @@
       </p:sp>
       <p:pic>
         <p:nvPicPr>
-          <p:cNvPr id="3074" name="Picture 2" descr="E:\Facultate\Licenta\Documentation written by me\Documente facute pentru facultate\src\client-server.png"/>
+          <p:cNvPr id="2050" name="Picture 2" descr="E:\Facultate\Licenta\chessEngine-documentation\Documentation written by me\resurse Photoshop\httpProtocol copy.png"/>
           <p:cNvPicPr>
             <a:picLocks noChangeAspect="1" noChangeArrowheads="1"/>
           </p:cNvPicPr>
@@ -5928,8 +5891,8 @@
         </p:blipFill>
         <p:spPr bwMode="auto">
           <a:xfrm>
-            <a:off x="914400" y="3048000"/>
-            <a:ext cx="7313613" cy="2304117"/>
+            <a:off x="1905000" y="1981200"/>
+            <a:ext cx="5442623" cy="4071938"/>
           </a:xfrm>
           <a:prstGeom prst="rect">
             <a:avLst/>
@@ -6519,6 +6482,54 @@
               <a:rPr lang="en-US" dirty="0" smtClean="0"/>
               <a:t>:</a:t>
             </a:r>
+          </a:p>
+          <a:p>
+            <a:pPr>
+              <a:buFontTx/>
+              <a:buChar char="-"/>
+            </a:pPr>
+            <a:r>
+              <a:rPr lang="en-US" dirty="0" err="1" smtClean="0"/>
+              <a:t>Avantajul</a:t>
+            </a:r>
+            <a:r>
+              <a:rPr lang="en-US" dirty="0" smtClean="0"/>
+              <a:t> material</a:t>
+            </a:r>
+          </a:p>
+          <a:p>
+            <a:pPr>
+              <a:buFontTx/>
+              <a:buChar char="-"/>
+            </a:pPr>
+            <a:r>
+              <a:rPr lang="en-US" dirty="0" err="1" smtClean="0"/>
+              <a:t>Pozitia</a:t>
+            </a:r>
+            <a:r>
+              <a:rPr lang="en-US" dirty="0" smtClean="0"/>
+              <a:t> </a:t>
+            </a:r>
+            <a:r>
+              <a:rPr lang="en-US" dirty="0" err="1" smtClean="0"/>
+              <a:t>pieselor</a:t>
+            </a:r>
+            <a:r>
+              <a:rPr lang="en-US" dirty="0" smtClean="0"/>
+              <a:t> </a:t>
+            </a:r>
+            <a:r>
+              <a:rPr lang="en-US" dirty="0" err="1" smtClean="0"/>
+              <a:t>pe</a:t>
+            </a:r>
+            <a:r>
+              <a:rPr lang="en-US" dirty="0" smtClean="0"/>
+              <a:t> </a:t>
+            </a:r>
+            <a:r>
+              <a:rPr lang="en-US" dirty="0" err="1" smtClean="0"/>
+              <a:t>tabla</a:t>
+            </a:r>
             <a:endParaRPr lang="en-US" dirty="0"/>
           </a:p>
         </p:txBody>
@@ -7033,11 +7044,7 @@
             </a:r>
             <a:r>
               <a:rPr lang="en-US" dirty="0" smtClean="0"/>
-              <a:t> </a:t>
-            </a:r>
-            <a:r>
-              <a:rPr lang="en-US" dirty="0" smtClean="0"/>
-              <a:t>a </a:t>
+              <a:t> a </a:t>
             </a:r>
             <a:r>
               <a:rPr lang="en-US" dirty="0" err="1" smtClean="0"/>
@@ -7055,7 +7062,6 @@
               <a:rPr lang="en-US" dirty="0" smtClean="0"/>
               <a:t> </a:t>
             </a:r>
-            <a:endParaRPr lang="en-US" dirty="0" smtClean="0"/>
           </a:p>
           <a:p>
             <a:pPr>
@@ -7422,173 +7428,16 @@
               <a:buNone/>
             </a:pPr>
             <a:r>
-              <a:rPr lang="en-US" sz="2800" dirty="0" smtClean="0"/>
-              <a:t>Deployment-</a:t>
-            </a:r>
-            <a:r>
-              <a:rPr lang="en-US" sz="2800" dirty="0" err="1" smtClean="0"/>
-              <a:t>ul</a:t>
-            </a:r>
-            <a:r>
-              <a:rPr lang="en-US" sz="2800" dirty="0" smtClean="0"/>
-              <a:t> </a:t>
-            </a:r>
-            <a:r>
-              <a:rPr lang="en-US" sz="2800" dirty="0" err="1" smtClean="0"/>
-              <a:t>aplicatiei</a:t>
-            </a:r>
-            <a:r>
-              <a:rPr lang="en-US" sz="2800" dirty="0" smtClean="0"/>
-              <a:t> in container-</a:t>
-            </a:r>
-            <a:r>
-              <a:rPr lang="en-US" sz="2800" dirty="0" err="1" smtClean="0"/>
-              <a:t>ul</a:t>
-            </a:r>
-            <a:r>
-              <a:rPr lang="en-US" sz="2800" dirty="0" smtClean="0"/>
-              <a:t> web a </a:t>
-            </a:r>
-            <a:r>
-              <a:rPr lang="en-US" sz="2800" dirty="0" err="1" smtClean="0"/>
-              <a:t>fost</a:t>
-            </a:r>
-            <a:r>
-              <a:rPr lang="en-US" sz="2800" dirty="0" smtClean="0"/>
-              <a:t> o </a:t>
-            </a:r>
-            <a:r>
-              <a:rPr lang="en-US" sz="2800" dirty="0" err="1" smtClean="0"/>
-              <a:t>provocare</a:t>
-            </a:r>
-            <a:r>
-              <a:rPr lang="en-US" sz="2800" dirty="0" smtClean="0"/>
-              <a:t> </a:t>
-            </a:r>
-            <a:r>
-              <a:rPr lang="en-US" sz="2800" dirty="0" err="1" smtClean="0"/>
-              <a:t>pana</a:t>
-            </a:r>
-            <a:r>
-              <a:rPr lang="en-US" sz="2800" dirty="0" smtClean="0"/>
-              <a:t> la </a:t>
-            </a:r>
-            <a:r>
-              <a:rPr lang="en-US" sz="2800" dirty="0" err="1" smtClean="0"/>
-              <a:t>solutionarea</a:t>
-            </a:r>
-            <a:r>
-              <a:rPr lang="en-US" sz="2800" dirty="0" smtClean="0"/>
-              <a:t> </a:t>
-            </a:r>
-            <a:r>
-              <a:rPr lang="en-US" sz="2800" dirty="0" err="1" smtClean="0"/>
-              <a:t>problemei</a:t>
-            </a:r>
-            <a:r>
-              <a:rPr lang="en-US" sz="2800" dirty="0" smtClean="0"/>
-              <a:t>: </a:t>
-            </a:r>
-            <a:r>
-              <a:rPr lang="en-US" sz="2800" dirty="0" err="1" smtClean="0"/>
-              <a:t>obtinerea</a:t>
-            </a:r>
-            <a:r>
-              <a:rPr lang="en-US" sz="2800" dirty="0" smtClean="0"/>
-              <a:t> </a:t>
-            </a:r>
-            <a:r>
-              <a:rPr lang="en-US" sz="2800" dirty="0" err="1" smtClean="0"/>
-              <a:t>unei</a:t>
-            </a:r>
-            <a:r>
-              <a:rPr lang="en-US" sz="2800" dirty="0" smtClean="0"/>
-              <a:t> </a:t>
-            </a:r>
-            <a:r>
-              <a:rPr lang="en-US" sz="2800" dirty="0" err="1" smtClean="0"/>
-              <a:t>licente</a:t>
-            </a:r>
-            <a:r>
-              <a:rPr lang="en-US" sz="2800" dirty="0" smtClean="0"/>
-              <a:t> </a:t>
-            </a:r>
-            <a:r>
-              <a:rPr lang="en-US" sz="2800" dirty="0" err="1" smtClean="0"/>
-              <a:t>gratuite</a:t>
-            </a:r>
-            <a:r>
-              <a:rPr lang="en-US" sz="2800" dirty="0" smtClean="0"/>
-              <a:t> </a:t>
-            </a:r>
-            <a:r>
-              <a:rPr lang="en-US" sz="2800" dirty="0" err="1" smtClean="0"/>
-              <a:t>pentru</a:t>
-            </a:r>
-            <a:r>
-              <a:rPr lang="en-US" sz="2800" dirty="0" smtClean="0"/>
-              <a:t> IDE-</a:t>
-            </a:r>
-            <a:r>
-              <a:rPr lang="en-US" sz="2800" dirty="0" err="1" smtClean="0"/>
-              <a:t>ul</a:t>
-            </a:r>
-            <a:r>
-              <a:rPr lang="en-US" sz="2800" dirty="0" smtClean="0"/>
-              <a:t> </a:t>
-            </a:r>
-            <a:r>
-              <a:rPr lang="en-US" sz="2800" dirty="0" err="1" smtClean="0"/>
-              <a:t>IntelliJ</a:t>
-            </a:r>
-            <a:r>
-              <a:rPr lang="en-US" sz="2800" dirty="0" smtClean="0"/>
-              <a:t> IDEA </a:t>
-            </a:r>
-            <a:r>
-              <a:rPr lang="en-US" sz="2800" dirty="0" err="1" smtClean="0"/>
-              <a:t>ce</a:t>
-            </a:r>
-            <a:r>
-              <a:rPr lang="en-US" sz="2800" dirty="0" smtClean="0"/>
-              <a:t> </a:t>
-            </a:r>
-            <a:r>
-              <a:rPr lang="en-US" sz="2800" dirty="0" err="1" smtClean="0"/>
-              <a:t>ofera</a:t>
-            </a:r>
-            <a:r>
-              <a:rPr lang="en-US" sz="2800" dirty="0" smtClean="0"/>
-              <a:t> </a:t>
-            </a:r>
-            <a:r>
-              <a:rPr lang="en-US" sz="2800" dirty="0" err="1" smtClean="0"/>
-              <a:t>suport</a:t>
-            </a:r>
-            <a:r>
-              <a:rPr lang="en-US" sz="2800" dirty="0" smtClean="0"/>
-              <a:t> </a:t>
-            </a:r>
-            <a:r>
-              <a:rPr lang="en-US" sz="2800" dirty="0" err="1" smtClean="0"/>
-              <a:t>pentru</a:t>
-            </a:r>
-            <a:r>
-              <a:rPr lang="en-US" sz="2800" dirty="0" smtClean="0"/>
-              <a:t> deployment</a:t>
-            </a:r>
-          </a:p>
-          <a:p>
-            <a:pPr>
-              <a:buNone/>
-            </a:pPr>
-            <a:r>
               <a:rPr lang="en-US" sz="2800" dirty="0" err="1" smtClean="0"/>
               <a:t>Timpul</a:t>
             </a:r>
             <a:r>
               <a:rPr lang="en-US" sz="2800" dirty="0" smtClean="0"/>
-              <a:t> de </a:t>
+              <a:t> </a:t>
+            </a:r>
+            <a:r>
+              <a:rPr lang="en-US" sz="2800" dirty="0" smtClean="0"/>
+              <a:t>de </a:t>
             </a:r>
             <a:r>
               <a:rPr lang="en-US" sz="2800" dirty="0" err="1" smtClean="0"/>
@@ -7816,15 +7665,15 @@
           <a:p>
             <a:r>
               <a:rPr lang="en-US" b="1" dirty="0" err="1" smtClean="0"/>
-              <a:t>Dificultati</a:t>
+              <a:t>Elemente</a:t>
             </a:r>
             <a:r>
               <a:rPr lang="en-US" b="1" dirty="0" smtClean="0"/>
-              <a:t> – </a:t>
+              <a:t> de </a:t>
             </a:r>
             <a:r>
               <a:rPr lang="en-US" b="1" dirty="0" err="1" smtClean="0"/>
-              <a:t>rezolvari</a:t>
+              <a:t>testare</a:t>
             </a:r>
             <a:r>
               <a:rPr lang="en-US" b="1" dirty="0" smtClean="0"/>
@@ -7858,118 +7707,77 @@
               <a:buNone/>
             </a:pPr>
             <a:r>
-              <a:rPr lang="en-US" sz="2800" dirty="0" err="1" smtClean="0"/>
-              <a:t>Testarea</a:t>
-            </a:r>
-            <a:r>
-              <a:rPr lang="en-US" sz="2800" dirty="0" smtClean="0"/>
-              <a:t> </a:t>
-            </a:r>
-            <a:r>
-              <a:rPr lang="en-US" sz="2800" dirty="0" err="1" smtClean="0"/>
-              <a:t>utilizabilitatii</a:t>
-            </a:r>
-            <a:r>
-              <a:rPr lang="en-US" sz="2800" dirty="0" smtClean="0"/>
-              <a:t> </a:t>
-            </a:r>
-            <a:r>
-              <a:rPr lang="en-US" sz="2800" dirty="0" err="1" smtClean="0"/>
-              <a:t>sistemului</a:t>
-            </a:r>
-            <a:r>
-              <a:rPr lang="en-US" sz="2800" dirty="0" smtClean="0"/>
-              <a:t> – </a:t>
-            </a:r>
-            <a:r>
-              <a:rPr lang="en-US" sz="2800" dirty="0" err="1" smtClean="0"/>
-              <a:t>sondaj</a:t>
-            </a:r>
-            <a:r>
-              <a:rPr lang="en-US" sz="2800" dirty="0" smtClean="0"/>
-              <a:t> </a:t>
-            </a:r>
-            <a:r>
-              <a:rPr lang="en-US" sz="2800" dirty="0" err="1" smtClean="0"/>
-              <a:t>facut</a:t>
-            </a:r>
-            <a:r>
-              <a:rPr lang="en-US" sz="2800" dirty="0" smtClean="0"/>
-              <a:t> </a:t>
-            </a:r>
-            <a:r>
-              <a:rPr lang="en-US" sz="2800" dirty="0" err="1" smtClean="0"/>
-              <a:t>pentru</a:t>
-            </a:r>
-            <a:r>
-              <a:rPr lang="en-US" sz="2800" dirty="0" smtClean="0"/>
-              <a:t> </a:t>
-            </a:r>
-            <a:r>
-              <a:rPr lang="en-US" sz="2800" dirty="0" err="1" smtClean="0"/>
-              <a:t>jucatorii</a:t>
-            </a:r>
-            <a:r>
-              <a:rPr lang="en-US" sz="2800" dirty="0" smtClean="0"/>
-              <a:t> </a:t>
-            </a:r>
-            <a:r>
-              <a:rPr lang="en-US" sz="2800" dirty="0" err="1" smtClean="0"/>
-              <a:t>experimentati</a:t>
-            </a:r>
-            <a:r>
-              <a:rPr lang="en-US" sz="2800" dirty="0" smtClean="0"/>
-              <a:t> </a:t>
-            </a:r>
-            <a:r>
-              <a:rPr lang="en-US" sz="2800" dirty="0" err="1" smtClean="0"/>
-              <a:t>dar</a:t>
-            </a:r>
-            <a:r>
-              <a:rPr lang="en-US" sz="2800" dirty="0" smtClean="0"/>
-              <a:t> </a:t>
-            </a:r>
-            <a:r>
-              <a:rPr lang="en-US" sz="2800" dirty="0" err="1" smtClean="0"/>
-              <a:t>si</a:t>
-            </a:r>
-            <a:r>
-              <a:rPr lang="en-US" sz="2800" dirty="0" smtClean="0"/>
-              <a:t> </a:t>
-            </a:r>
-            <a:r>
-              <a:rPr lang="en-US" sz="2800" dirty="0" err="1" smtClean="0"/>
-              <a:t>pentru</a:t>
-            </a:r>
-            <a:r>
-              <a:rPr lang="en-US" sz="2800" dirty="0" smtClean="0"/>
-              <a:t> </a:t>
-            </a:r>
-            <a:r>
-              <a:rPr lang="en-US" sz="2800" dirty="0" err="1" smtClean="0"/>
-              <a:t>jucatorii</a:t>
-            </a:r>
-            <a:r>
-              <a:rPr lang="en-US" sz="2800" dirty="0" smtClean="0"/>
-              <a:t> </a:t>
-            </a:r>
-            <a:r>
-              <a:rPr lang="en-US" sz="2800" dirty="0" err="1" smtClean="0"/>
-              <a:t>ocazionali</a:t>
-            </a:r>
-            <a:r>
-              <a:rPr lang="en-US" sz="2800" dirty="0" smtClean="0"/>
-              <a:t>, </a:t>
-            </a:r>
-            <a:r>
-              <a:rPr lang="en-US" sz="2800" dirty="0" err="1" smtClean="0"/>
-              <a:t>neexperimentati</a:t>
-            </a:r>
-            <a:r>
-              <a:rPr lang="en-US" sz="2800" dirty="0" smtClean="0"/>
-              <a:t>. </a:t>
-            </a:r>
-            <a:endParaRPr lang="en-US" sz="2800" dirty="0"/>
+              <a:rPr lang="en-US" dirty="0" err="1" smtClean="0"/>
+              <a:t>Proces</a:t>
+            </a:r>
+            <a:r>
+              <a:rPr lang="en-US" dirty="0" smtClean="0"/>
+              <a:t> de </a:t>
+            </a:r>
+            <a:r>
+              <a:rPr lang="en-US" dirty="0" err="1" smtClean="0"/>
+              <a:t>dezvoltare</a:t>
+            </a:r>
+            <a:r>
+              <a:rPr lang="en-US" dirty="0" smtClean="0"/>
+              <a:t> </a:t>
+            </a:r>
+            <a:r>
+              <a:rPr lang="en-US" dirty="0" err="1" smtClean="0"/>
+              <a:t>iterativ</a:t>
+            </a:r>
+            <a:r>
+              <a:rPr lang="en-US" dirty="0" smtClean="0"/>
+              <a:t> -&gt; </a:t>
+            </a:r>
+            <a:r>
+              <a:rPr lang="en-US" dirty="0" err="1" smtClean="0"/>
+              <a:t>testare</a:t>
+            </a:r>
+            <a:r>
+              <a:rPr lang="en-US" dirty="0" smtClean="0"/>
+              <a:t> </a:t>
+            </a:r>
+            <a:r>
+              <a:rPr lang="en-US" dirty="0" err="1" smtClean="0"/>
+              <a:t>manuala</a:t>
+            </a:r>
+            <a:r>
+              <a:rPr lang="en-US" dirty="0" smtClean="0"/>
+              <a:t> la </a:t>
+            </a:r>
+            <a:r>
+              <a:rPr lang="en-US" dirty="0" err="1" smtClean="0"/>
+              <a:t>finalizarea</a:t>
+            </a:r>
+            <a:r>
+              <a:rPr lang="en-US" dirty="0" smtClean="0"/>
+              <a:t> </a:t>
+            </a:r>
+            <a:r>
+              <a:rPr lang="en-US" dirty="0" err="1" smtClean="0"/>
+              <a:t>implementarii</a:t>
+            </a:r>
+            <a:r>
+              <a:rPr lang="en-US" dirty="0" smtClean="0"/>
+              <a:t> </a:t>
+            </a:r>
+            <a:r>
+              <a:rPr lang="en-US" dirty="0" err="1" smtClean="0"/>
+              <a:t>unei</a:t>
+            </a:r>
+            <a:r>
+              <a:rPr lang="en-US" dirty="0" smtClean="0"/>
+              <a:t> </a:t>
+            </a:r>
+            <a:r>
+              <a:rPr lang="en-US" dirty="0" err="1" smtClean="0"/>
+              <a:t>componente</a:t>
+            </a:r>
+            <a:endParaRPr lang="en-US" dirty="0" smtClean="0"/>
+          </a:p>
+          <a:p>
+            <a:endParaRPr lang="en-US" dirty="0"/>
           </a:p>
         </p:txBody>
       </p:sp>
@@ -8081,75 +7889,116 @@
             </a:pPr>
             <a:r>
               <a:rPr lang="en-US" dirty="0" err="1" smtClean="0"/>
-              <a:t>Proces</a:t>
-            </a:r>
-            <a:r>
-              <a:rPr lang="en-US" dirty="0" smtClean="0"/>
-              <a:t> de </a:t>
-            </a:r>
-            <a:r>
-              <a:rPr lang="en-US" dirty="0" err="1" smtClean="0"/>
-              <a:t>dezvoltare</a:t>
-            </a:r>
-            <a:r>
-              <a:rPr lang="en-US" dirty="0" smtClean="0"/>
-              <a:t> </a:t>
-            </a:r>
-            <a:r>
-              <a:rPr lang="en-US" dirty="0" err="1" smtClean="0"/>
-              <a:t>iterativ</a:t>
-            </a:r>
-            <a:r>
-              <a:rPr lang="en-US" dirty="0" smtClean="0"/>
-              <a:t> -&gt; </a:t>
-            </a:r>
-            <a:r>
-              <a:rPr lang="en-US" dirty="0" err="1" smtClean="0"/>
-              <a:t>testare</a:t>
-            </a:r>
-            <a:r>
-              <a:rPr lang="en-US" dirty="0" smtClean="0"/>
-              <a:t> </a:t>
-            </a:r>
-            <a:r>
-              <a:rPr lang="en-US" dirty="0" err="1" smtClean="0"/>
-              <a:t>manuala</a:t>
-            </a:r>
-            <a:r>
-              <a:rPr lang="en-US" dirty="0" smtClean="0"/>
-              <a:t> la </a:t>
-            </a:r>
-            <a:r>
-              <a:rPr lang="en-US" dirty="0" err="1" smtClean="0"/>
-              <a:t>finalizarea</a:t>
-            </a:r>
-            <a:r>
-              <a:rPr lang="en-US" dirty="0" smtClean="0"/>
-              <a:t> </a:t>
-            </a:r>
-            <a:r>
-              <a:rPr lang="en-US" dirty="0" err="1" smtClean="0"/>
-              <a:t>implementarii</a:t>
-            </a:r>
-            <a:r>
-              <a:rPr lang="en-US" dirty="0" smtClean="0"/>
-              <a:t> </a:t>
-            </a:r>
-            <a:r>
-              <a:rPr lang="en-US" dirty="0" err="1" smtClean="0"/>
-              <a:t>unei</a:t>
-            </a:r>
-            <a:r>
-              <a:rPr lang="en-US" dirty="0" smtClean="0"/>
-              <a:t> </a:t>
-            </a:r>
-            <a:r>
-              <a:rPr lang="en-US" dirty="0" err="1" smtClean="0"/>
-              <a:t>componente</a:t>
-            </a:r>
-            <a:endParaRPr lang="en-US" dirty="0" smtClean="0"/>
-          </a:p>
-          <a:p>
+              <a:t>Testarea</a:t>
+            </a:r>
+            <a:r>
+              <a:rPr lang="en-US" dirty="0" smtClean="0"/>
+              <a:t> </a:t>
+            </a:r>
+            <a:r>
+              <a:rPr lang="en-US" dirty="0" err="1" smtClean="0"/>
+              <a:t>utilizabilitatii</a:t>
+            </a:r>
+            <a:r>
+              <a:rPr lang="en-US" dirty="0" smtClean="0"/>
+              <a:t> </a:t>
+            </a:r>
+            <a:r>
+              <a:rPr lang="en-US" dirty="0" err="1" smtClean="0"/>
+              <a:t>sistemului</a:t>
+            </a:r>
+            <a:r>
+              <a:rPr lang="en-US" dirty="0" smtClean="0"/>
+              <a:t> – </a:t>
+            </a:r>
+            <a:r>
+              <a:rPr lang="en-US" dirty="0" err="1" smtClean="0"/>
+              <a:t>sondaj</a:t>
+            </a:r>
+            <a:r>
+              <a:rPr lang="en-US" dirty="0" smtClean="0"/>
+              <a:t> </a:t>
+            </a:r>
+            <a:r>
+              <a:rPr lang="en-US" dirty="0" err="1" smtClean="0"/>
+              <a:t>facut</a:t>
+            </a:r>
+            <a:r>
+              <a:rPr lang="en-US" dirty="0" smtClean="0"/>
+              <a:t> </a:t>
+            </a:r>
+            <a:r>
+              <a:rPr lang="en-US" dirty="0" err="1" smtClean="0"/>
+              <a:t>pentru</a:t>
+            </a:r>
+            <a:r>
+              <a:rPr lang="en-US" dirty="0" smtClean="0"/>
+              <a:t> </a:t>
+            </a:r>
+            <a:r>
+              <a:rPr lang="en-US" dirty="0" err="1" smtClean="0"/>
+              <a:t>jucatorii</a:t>
+            </a:r>
+            <a:r>
+              <a:rPr lang="en-US" dirty="0" smtClean="0"/>
+              <a:t> </a:t>
+            </a:r>
+            <a:r>
+              <a:rPr lang="en-US" dirty="0" err="1" smtClean="0"/>
+              <a:t>experimentati</a:t>
+            </a:r>
+            <a:r>
+              <a:rPr lang="en-US" dirty="0" smtClean="0"/>
+              <a:t> </a:t>
+            </a:r>
+            <a:r>
+              <a:rPr lang="en-US" dirty="0" err="1" smtClean="0"/>
+              <a:t>dar</a:t>
+            </a:r>
+            <a:r>
+              <a:rPr lang="en-US" dirty="0" smtClean="0"/>
+              <a:t> </a:t>
+            </a:r>
+            <a:r>
+              <a:rPr lang="en-US" dirty="0" err="1" smtClean="0"/>
+              <a:t>si</a:t>
+            </a:r>
+            <a:r>
+              <a:rPr lang="en-US" dirty="0" smtClean="0"/>
+              <a:t> </a:t>
+            </a:r>
+            <a:r>
+              <a:rPr lang="en-US" dirty="0" err="1" smtClean="0"/>
+              <a:t>pentru</a:t>
+            </a:r>
+            <a:r>
+              <a:rPr lang="en-US" dirty="0" smtClean="0"/>
+              <a:t> </a:t>
+            </a:r>
+            <a:r>
+              <a:rPr lang="en-US" dirty="0" err="1" smtClean="0"/>
+              <a:t>jucatorii</a:t>
+            </a:r>
+            <a:r>
+              <a:rPr lang="en-US" dirty="0" smtClean="0"/>
+              <a:t> </a:t>
+            </a:r>
+            <a:r>
+              <a:rPr lang="en-US" dirty="0" err="1" smtClean="0"/>
+              <a:t>ocazionali</a:t>
+            </a:r>
+            <a:r>
+              <a:rPr lang="en-US" dirty="0" smtClean="0"/>
+              <a:t>, </a:t>
+            </a:r>
+            <a:r>
+              <a:rPr lang="en-US" dirty="0" err="1" smtClean="0"/>
+              <a:t>neexperimentati</a:t>
+            </a:r>
+            <a:r>
+              <a:rPr lang="en-US" dirty="0" smtClean="0"/>
+              <a:t>. </a:t>
+            </a:r>
             <a:endParaRPr lang="en-US" dirty="0"/>
           </a:p>
         </p:txBody>
@@ -8213,7 +8062,7 @@
         <p:spPr/>
         <p:txBody>
           <a:bodyPr>
-            <a:normAutofit fontScale="90000"/>
+            <a:normAutofit/>
           </a:bodyPr>
           <a:lstStyle/>
           <a:p>
@@ -8229,17 +8078,36 @@
               <a:rPr lang="en-US" b="1" dirty="0" err="1" smtClean="0"/>
               <a:t>grafica</a:t>
             </a:r>
-            <a:r>
-              <a:rPr lang="en-US" b="1" dirty="0" smtClean="0"/>
-              <a:t/>
-            </a:r>
-            <a:br>
-              <a:rPr lang="en-US" b="1" dirty="0" smtClean="0"/>
-            </a:br>
             <a:endParaRPr lang="en-US" b="1" dirty="0"/>
           </a:p>
         </p:txBody>
       </p:sp>
+      <p:pic>
+        <p:nvPicPr>
+          <p:cNvPr id="3076" name="Picture 4" descr="E:\Facultate\Licenta\chessEngine-documentation\Documentation written by me\resurse Photoshop\src\wireframes.png"/>
+          <p:cNvPicPr>
+            <a:picLocks noChangeAspect="1" noChangeArrowheads="1"/>
+          </p:cNvPicPr>
+          <p:nvPr/>
+        </p:nvPicPr>
+        <p:blipFill>
+          <a:blip r:embed="rId3" cstate="print"/>
+          <a:srcRect/>
+          <a:stretch>
+            <a:fillRect/>
+          </a:stretch>
+        </p:blipFill>
+        <p:spPr bwMode="auto">
+          <a:xfrm>
+            <a:off x="-381000" y="228600"/>
+            <a:ext cx="10096500" cy="7553325"/>
+          </a:xfrm>
+          <a:prstGeom prst="rect">
+            <a:avLst/>
+          </a:prstGeom>
+          <a:noFill/>
+        </p:spPr>
+      </p:pic>
     </p:spTree>
   </p:cSld>
   <p:clrMapOvr>
@@ -8305,15 +8173,7 @@
           <a:p>
             <a:r>
               <a:rPr lang="en-US" b="1" dirty="0" err="1" smtClean="0"/>
-              <a:t>Interfata</a:t>
-            </a:r>
-            <a:r>
-              <a:rPr lang="en-US" b="1" dirty="0" smtClean="0"/>
-              <a:t> </a:t>
-            </a:r>
-            <a:r>
-              <a:rPr lang="en-US" b="1" dirty="0" err="1" smtClean="0"/>
-              <a:t>grafica</a:t>
+              <a:t>Concluzii</a:t>
             </a:r>
             <a:r>
               <a:rPr lang="en-US" b="1" dirty="0" smtClean="0"/>
@@ -8323,6 +8183,322 @@
               <a:rPr lang="en-US" b="1" dirty="0" smtClean="0"/>
             </a:br>
             <a:endParaRPr lang="en-US" b="1" dirty="0"/>
+          </a:p>
+        </p:txBody>
+      </p:sp>
+      <p:sp>
+        <p:nvSpPr>
+          <p:cNvPr id="3" name="Content Placeholder 2"/>
+          <p:cNvSpPr>
+            <a:spLocks noGrp="1"/>
+          </p:cNvSpPr>
+          <p:nvPr>
+            <p:ph idx="1"/>
+          </p:nvPr>
+        </p:nvSpPr>
+        <p:spPr/>
+        <p:txBody>
+          <a:bodyPr>
+            <a:normAutofit/>
+          </a:bodyPr>
+          <a:lstStyle/>
+          <a:p>
+            <a:pPr>
+              <a:buNone/>
+            </a:pPr>
+            <a:r>
+              <a:rPr lang="en-US" b="1" dirty="0" err="1" smtClean="0"/>
+              <a:t>Sistemul</a:t>
+            </a:r>
+            <a:r>
+              <a:rPr lang="en-US" b="1" dirty="0" smtClean="0"/>
+              <a:t> </a:t>
+            </a:r>
+            <a:r>
+              <a:rPr lang="en-US" b="1" dirty="0" err="1" smtClean="0"/>
+              <a:t>reuseste</a:t>
+            </a:r>
+            <a:r>
+              <a:rPr lang="en-US" b="1" dirty="0" smtClean="0"/>
+              <a:t> </a:t>
+            </a:r>
+            <a:r>
+              <a:rPr lang="en-US" b="1" dirty="0" err="1" smtClean="0"/>
+              <a:t>sa</a:t>
+            </a:r>
+            <a:r>
+              <a:rPr lang="en-US" b="1" dirty="0" smtClean="0"/>
+              <a:t> </a:t>
+            </a:r>
+            <a:r>
+              <a:rPr lang="en-US" b="1" dirty="0" err="1" smtClean="0"/>
+              <a:t>isi</a:t>
+            </a:r>
+            <a:r>
+              <a:rPr lang="en-US" b="1" dirty="0" smtClean="0"/>
+              <a:t> </a:t>
+            </a:r>
+            <a:r>
+              <a:rPr lang="en-US" b="1" dirty="0" err="1" smtClean="0"/>
+              <a:t>atinga</a:t>
+            </a:r>
+            <a:r>
+              <a:rPr lang="en-US" b="1" dirty="0" smtClean="0"/>
+              <a:t> </a:t>
+            </a:r>
+            <a:r>
+              <a:rPr lang="en-US" b="1" dirty="0" err="1" smtClean="0"/>
+              <a:t>scopul</a:t>
+            </a:r>
+            <a:r>
+              <a:rPr lang="en-US" dirty="0" smtClean="0"/>
+              <a:t>, de a </a:t>
+            </a:r>
+            <a:r>
+              <a:rPr lang="en-US" dirty="0" err="1" smtClean="0"/>
+              <a:t>putea</a:t>
+            </a:r>
+            <a:r>
+              <a:rPr lang="en-US" dirty="0" smtClean="0"/>
+              <a:t> </a:t>
+            </a:r>
+            <a:r>
+              <a:rPr lang="en-US" dirty="0" err="1" smtClean="0"/>
+              <a:t>juca</a:t>
+            </a:r>
+            <a:r>
+              <a:rPr lang="en-US" dirty="0" smtClean="0"/>
+              <a:t> un </a:t>
+            </a:r>
+            <a:r>
+              <a:rPr lang="en-US" dirty="0" err="1" smtClean="0"/>
+              <a:t>meci</a:t>
+            </a:r>
+            <a:r>
+              <a:rPr lang="en-US" dirty="0" smtClean="0"/>
+              <a:t> de </a:t>
+            </a:r>
+            <a:r>
+              <a:rPr lang="en-US" dirty="0" err="1" smtClean="0"/>
+              <a:t>sah</a:t>
+            </a:r>
+            <a:r>
+              <a:rPr lang="en-US" dirty="0" smtClean="0"/>
+              <a:t> </a:t>
+            </a:r>
+            <a:r>
+              <a:rPr lang="en-US" dirty="0" err="1" smtClean="0"/>
+              <a:t>pe</a:t>
+            </a:r>
+            <a:r>
+              <a:rPr lang="en-US" dirty="0" smtClean="0"/>
+              <a:t> </a:t>
+            </a:r>
+            <a:r>
+              <a:rPr lang="en-US" dirty="0" err="1" smtClean="0"/>
+              <a:t>diferite</a:t>
+            </a:r>
+            <a:r>
+              <a:rPr lang="en-US" dirty="0" smtClean="0"/>
+              <a:t> </a:t>
+            </a:r>
+            <a:r>
+              <a:rPr lang="en-US" dirty="0" err="1" smtClean="0"/>
+              <a:t>nivele</a:t>
+            </a:r>
+            <a:r>
+              <a:rPr lang="en-US" dirty="0" smtClean="0"/>
+              <a:t> de </a:t>
+            </a:r>
+            <a:r>
+              <a:rPr lang="en-US" dirty="0" err="1" smtClean="0"/>
+              <a:t>dificultate</a:t>
+            </a:r>
+            <a:r>
+              <a:rPr lang="en-US" dirty="0" smtClean="0"/>
+              <a:t> cu </a:t>
+            </a:r>
+            <a:r>
+              <a:rPr lang="en-US" dirty="0" err="1" smtClean="0"/>
+              <a:t>timp</a:t>
+            </a:r>
+            <a:r>
+              <a:rPr lang="en-US" dirty="0" smtClean="0"/>
+              <a:t> de </a:t>
+            </a:r>
+            <a:r>
+              <a:rPr lang="en-US" dirty="0" err="1" smtClean="0"/>
+              <a:t>raspuns</a:t>
+            </a:r>
+            <a:r>
+              <a:rPr lang="en-US" dirty="0" smtClean="0"/>
+              <a:t> </a:t>
+            </a:r>
+            <a:r>
+              <a:rPr lang="en-US" dirty="0" err="1" smtClean="0"/>
+              <a:t>ce</a:t>
+            </a:r>
+            <a:r>
+              <a:rPr lang="en-US" dirty="0" smtClean="0"/>
+              <a:t> se </a:t>
+            </a:r>
+            <a:r>
+              <a:rPr lang="en-US" dirty="0" err="1" smtClean="0"/>
+              <a:t>incadreaza</a:t>
+            </a:r>
+            <a:r>
+              <a:rPr lang="en-US" dirty="0" smtClean="0"/>
+              <a:t> in </a:t>
+            </a:r>
+            <a:r>
+              <a:rPr lang="en-US" dirty="0" err="1" smtClean="0"/>
+              <a:t>cel</a:t>
+            </a:r>
+            <a:r>
+              <a:rPr lang="en-US" dirty="0" smtClean="0"/>
+              <a:t> </a:t>
+            </a:r>
+            <a:r>
+              <a:rPr lang="en-US" dirty="0" err="1" smtClean="0"/>
+              <a:t>stabilit</a:t>
+            </a:r>
+            <a:r>
+              <a:rPr lang="en-US" dirty="0" smtClean="0"/>
+              <a:t> in </a:t>
+            </a:r>
+            <a:r>
+              <a:rPr lang="en-US" dirty="0" err="1" smtClean="0"/>
+              <a:t>cadrul</a:t>
+            </a:r>
+            <a:r>
+              <a:rPr lang="en-US" dirty="0" smtClean="0"/>
+              <a:t> </a:t>
+            </a:r>
+            <a:r>
+              <a:rPr lang="en-US" dirty="0" err="1" smtClean="0"/>
+              <a:t>cerintelor</a:t>
+            </a:r>
+            <a:r>
+              <a:rPr lang="en-US" dirty="0" smtClean="0"/>
+              <a:t> </a:t>
+            </a:r>
+            <a:r>
+              <a:rPr lang="en-US" dirty="0" err="1" smtClean="0"/>
+              <a:t>nefunctionale</a:t>
+            </a:r>
+            <a:endParaRPr lang="en-US" dirty="0" smtClean="0"/>
+          </a:p>
+          <a:p>
+            <a:pPr>
+              <a:buNone/>
+            </a:pPr>
+            <a:r>
+              <a:rPr lang="en-US" b="1" dirty="0" err="1" smtClean="0"/>
+              <a:t>Sistemul</a:t>
+            </a:r>
+            <a:r>
+              <a:rPr lang="en-US" b="1" dirty="0" smtClean="0"/>
+              <a:t> </a:t>
+            </a:r>
+            <a:r>
+              <a:rPr lang="en-US" b="1" dirty="0" err="1" smtClean="0"/>
+              <a:t>ofera</a:t>
+            </a:r>
+            <a:r>
+              <a:rPr lang="en-US" b="1" dirty="0" smtClean="0"/>
+              <a:t> </a:t>
+            </a:r>
+            <a:r>
+              <a:rPr lang="en-US" b="1" dirty="0" err="1" smtClean="0"/>
+              <a:t>suport</a:t>
+            </a:r>
+            <a:r>
+              <a:rPr lang="en-US" b="1" dirty="0" smtClean="0"/>
+              <a:t> </a:t>
+            </a:r>
+            <a:r>
+              <a:rPr lang="en-US" b="1" dirty="0" err="1" smtClean="0"/>
+              <a:t>pentru</a:t>
+            </a:r>
+            <a:r>
+              <a:rPr lang="en-US" b="1" dirty="0" smtClean="0"/>
+              <a:t> de </a:t>
+            </a:r>
+            <a:r>
+              <a:rPr lang="en-US" b="1" dirty="0" err="1" smtClean="0"/>
+              <a:t>antrenament</a:t>
+            </a:r>
+            <a:r>
+              <a:rPr lang="en-US" b="1" dirty="0" smtClean="0"/>
+              <a:t> </a:t>
+            </a:r>
+            <a:r>
+              <a:rPr lang="en-US" b="1" dirty="0" err="1" smtClean="0"/>
+              <a:t>jucatorilor</a:t>
+            </a:r>
+            <a:r>
+              <a:rPr lang="en-US" b="1" dirty="0" smtClean="0"/>
+              <a:t> de </a:t>
+            </a:r>
+            <a:r>
+              <a:rPr lang="en-US" b="1" dirty="0" err="1" smtClean="0"/>
+              <a:t>sah</a:t>
+            </a:r>
+            <a:r>
+              <a:rPr lang="en-US" b="1" dirty="0" smtClean="0"/>
+              <a:t> </a:t>
+            </a:r>
+            <a:r>
+              <a:rPr lang="en-US" dirty="0" err="1" smtClean="0"/>
+              <a:t>prin</a:t>
+            </a:r>
+            <a:r>
+              <a:rPr lang="en-US" dirty="0" smtClean="0"/>
+              <a:t> </a:t>
+            </a:r>
+            <a:r>
+              <a:rPr lang="en-US" dirty="0" err="1" smtClean="0"/>
+              <a:t>expunerea</a:t>
+            </a:r>
+            <a:r>
+              <a:rPr lang="en-US" dirty="0" smtClean="0"/>
+              <a:t> de </a:t>
+            </a:r>
+            <a:r>
+              <a:rPr lang="en-US" dirty="0" err="1" smtClean="0"/>
+              <a:t>strategii</a:t>
+            </a:r>
+            <a:r>
+              <a:rPr lang="en-US" dirty="0" smtClean="0"/>
+              <a:t> de </a:t>
+            </a:r>
+            <a:r>
+              <a:rPr lang="en-US" dirty="0" err="1" smtClean="0"/>
+              <a:t>joc</a:t>
+            </a:r>
+            <a:r>
+              <a:rPr lang="en-US" dirty="0" smtClean="0"/>
+              <a:t> </a:t>
+            </a:r>
+            <a:r>
+              <a:rPr lang="en-US" dirty="0" err="1" smtClean="0"/>
+              <a:t>si</a:t>
+            </a:r>
+            <a:r>
+              <a:rPr lang="en-US" dirty="0" smtClean="0"/>
+              <a:t> </a:t>
+            </a:r>
+            <a:r>
+              <a:rPr lang="en-US" dirty="0" err="1" smtClean="0"/>
+              <a:t>probleme</a:t>
+            </a:r>
+            <a:r>
+              <a:rPr lang="en-US" dirty="0" smtClean="0"/>
+              <a:t>.</a:t>
+            </a:r>
+          </a:p>
+          <a:p>
+            <a:endParaRPr lang="en-US" dirty="0"/>
           </a:p>
         </p:txBody>
       </p:sp>
@@ -8385,13 +8561,13 @@
         <p:spPr/>
         <p:txBody>
           <a:bodyPr>
-            <a:normAutofit fontScale="90000"/>
+            <a:normAutofit/>
           </a:bodyPr>
           <a:lstStyle/>
           <a:p>
             <a:r>
               <a:rPr lang="en-US" b="1" dirty="0" err="1" smtClean="0"/>
-              <a:t>Interfata</a:t>
+              <a:t>Dezvoltari</a:t>
             </a:r>
             <a:r>
               <a:rPr lang="en-US" b="1" dirty="0" smtClean="0"/>
@@ -8399,16 +8575,327 @@
             </a:r>
             <a:r>
               <a:rPr lang="en-US" b="1" dirty="0" err="1" smtClean="0"/>
-              <a:t>grafica</a:t>
-            </a:r>
-            <a:r>
-              <a:rPr lang="en-US" b="1" dirty="0" smtClean="0"/>
-              <a:t/>
-            </a:r>
-            <a:br>
-              <a:rPr lang="en-US" b="1" dirty="0" smtClean="0"/>
-            </a:br>
+              <a:t>viitoare</a:t>
+            </a:r>
             <a:endParaRPr lang="en-US" b="1" dirty="0"/>
+          </a:p>
+        </p:txBody>
+      </p:sp>
+      <p:sp>
+        <p:nvSpPr>
+          <p:cNvPr id="3" name="Content Placeholder 2"/>
+          <p:cNvSpPr>
+            <a:spLocks noGrp="1"/>
+          </p:cNvSpPr>
+          <p:nvPr>
+            <p:ph idx="1"/>
+          </p:nvPr>
+        </p:nvSpPr>
+        <p:spPr/>
+        <p:txBody>
+          <a:bodyPr>
+            <a:normAutofit/>
+          </a:bodyPr>
+          <a:lstStyle/>
+          <a:p>
+            <a:pPr>
+              <a:buNone/>
+            </a:pPr>
+            <a:r>
+              <a:rPr lang="en-US" sz="2800" dirty="0" err="1" smtClean="0"/>
+              <a:t>Extragerea</a:t>
+            </a:r>
+            <a:r>
+              <a:rPr lang="en-US" sz="2800" dirty="0" smtClean="0"/>
+              <a:t> </a:t>
+            </a:r>
+            <a:r>
+              <a:rPr lang="en-US" sz="2800" dirty="0" err="1" smtClean="0"/>
+              <a:t>jucatorului</a:t>
+            </a:r>
+            <a:r>
+              <a:rPr lang="en-US" sz="2800" dirty="0" smtClean="0"/>
+              <a:t> virtual </a:t>
+            </a:r>
+            <a:r>
+              <a:rPr lang="en-US" sz="2800" dirty="0" err="1" smtClean="0"/>
+              <a:t>intr</a:t>
+            </a:r>
+            <a:r>
+              <a:rPr lang="en-US" sz="2800" dirty="0" smtClean="0"/>
+              <a:t>-un </a:t>
+            </a:r>
+            <a:r>
+              <a:rPr lang="en-US" sz="2800" dirty="0" err="1" smtClean="0"/>
+              <a:t>serviciu</a:t>
+            </a:r>
+            <a:r>
+              <a:rPr lang="en-US" sz="2800" dirty="0" smtClean="0"/>
+              <a:t> WEB </a:t>
+            </a:r>
+            <a:r>
+              <a:rPr lang="en-US" sz="2800" dirty="0" err="1" smtClean="0"/>
+              <a:t>separat</a:t>
+            </a:r>
+            <a:endParaRPr lang="en-US" sz="2800" dirty="0" smtClean="0"/>
+          </a:p>
+          <a:p>
+            <a:pPr>
+              <a:buNone/>
+            </a:pPr>
+            <a:r>
+              <a:rPr lang="en-US" sz="2800" dirty="0" err="1" smtClean="0"/>
+              <a:t>Folosirea</a:t>
+            </a:r>
+            <a:r>
+              <a:rPr lang="en-US" sz="2800" dirty="0" smtClean="0"/>
+              <a:t> </a:t>
+            </a:r>
+            <a:r>
+              <a:rPr lang="en-US" sz="2800" dirty="0" err="1" smtClean="0"/>
+              <a:t>arhitecturii</a:t>
+            </a:r>
+            <a:r>
+              <a:rPr lang="en-US" sz="2800" dirty="0" smtClean="0"/>
+              <a:t> cluster </a:t>
+            </a:r>
+            <a:r>
+              <a:rPr lang="en-US" sz="2800" dirty="0" err="1" smtClean="0"/>
+              <a:t>pentru</a:t>
+            </a:r>
+            <a:r>
+              <a:rPr lang="en-US" sz="2800" dirty="0" smtClean="0"/>
+              <a:t> </a:t>
+            </a:r>
+            <a:r>
+              <a:rPr lang="en-US" sz="2800" dirty="0" err="1" smtClean="0"/>
+              <a:t>jucatorul</a:t>
+            </a:r>
+            <a:r>
+              <a:rPr lang="en-US" sz="2800" dirty="0" smtClean="0"/>
+              <a:t> virtual – </a:t>
+            </a:r>
+            <a:r>
+              <a:rPr lang="en-US" sz="2800" dirty="0" err="1" smtClean="0"/>
+              <a:t>instalarea</a:t>
+            </a:r>
+            <a:r>
+              <a:rPr lang="en-US" sz="2800" dirty="0" smtClean="0"/>
+              <a:t> </a:t>
+            </a:r>
+            <a:r>
+              <a:rPr lang="en-US" sz="2800" dirty="0" err="1" smtClean="0"/>
+              <a:t>serviciului</a:t>
+            </a:r>
+            <a:r>
+              <a:rPr lang="en-US" sz="2800" dirty="0" smtClean="0"/>
+              <a:t> WEB cu </a:t>
+            </a:r>
+            <a:r>
+              <a:rPr lang="en-US" sz="2800" dirty="0" err="1" smtClean="0"/>
+              <a:t>jucatorul</a:t>
+            </a:r>
+            <a:r>
+              <a:rPr lang="en-US" sz="2800" dirty="0" smtClean="0"/>
+              <a:t> virtual </a:t>
+            </a:r>
+            <a:r>
+              <a:rPr lang="en-US" sz="2800" dirty="0" err="1" smtClean="0"/>
+              <a:t>pe</a:t>
+            </a:r>
+            <a:r>
+              <a:rPr lang="en-US" sz="2800" dirty="0" smtClean="0"/>
+              <a:t> </a:t>
+            </a:r>
+            <a:r>
+              <a:rPr lang="en-US" sz="2800" dirty="0" err="1" smtClean="0"/>
+              <a:t>mai</a:t>
+            </a:r>
+            <a:r>
+              <a:rPr lang="en-US" sz="2800" dirty="0" smtClean="0"/>
+              <a:t> </a:t>
+            </a:r>
+            <a:r>
+              <a:rPr lang="en-US" sz="2800" dirty="0" err="1" smtClean="0"/>
+              <a:t>multe</a:t>
+            </a:r>
+            <a:r>
+              <a:rPr lang="en-US" sz="2800" dirty="0" smtClean="0"/>
+              <a:t> </a:t>
+            </a:r>
+            <a:r>
+              <a:rPr lang="en-US" sz="2800" dirty="0" err="1" smtClean="0"/>
+              <a:t>servere</a:t>
+            </a:r>
+            <a:r>
+              <a:rPr lang="en-US" sz="2800" dirty="0" smtClean="0"/>
+              <a:t> </a:t>
+            </a:r>
+            <a:r>
+              <a:rPr lang="en-US" sz="2800" dirty="0" err="1" smtClean="0"/>
+              <a:t>si</a:t>
+            </a:r>
+            <a:r>
+              <a:rPr lang="en-US" sz="2800" dirty="0" smtClean="0"/>
+              <a:t> </a:t>
+            </a:r>
+            <a:r>
+              <a:rPr lang="en-US" sz="2800" dirty="0" err="1" smtClean="0"/>
+              <a:t>folosirea</a:t>
+            </a:r>
+            <a:r>
+              <a:rPr lang="en-US" sz="2800" dirty="0" smtClean="0"/>
+              <a:t> </a:t>
+            </a:r>
+            <a:r>
+              <a:rPr lang="en-US" sz="2800" dirty="0" err="1" smtClean="0"/>
+              <a:t>unui</a:t>
+            </a:r>
+            <a:r>
+              <a:rPr lang="en-US" sz="2800" dirty="0" smtClean="0"/>
+              <a:t> load balancer </a:t>
+            </a:r>
+            <a:r>
+              <a:rPr lang="en-US" sz="2800" dirty="0" err="1" smtClean="0"/>
+              <a:t>pentru</a:t>
+            </a:r>
+            <a:r>
+              <a:rPr lang="en-US" sz="2800" dirty="0" smtClean="0"/>
+              <a:t> a </a:t>
+            </a:r>
+            <a:r>
+              <a:rPr lang="en-US" sz="2800" dirty="0" err="1" smtClean="0"/>
+              <a:t>obtine</a:t>
+            </a:r>
+            <a:r>
+              <a:rPr lang="en-US" sz="2800" dirty="0" smtClean="0"/>
+              <a:t> </a:t>
+            </a:r>
+            <a:r>
+              <a:rPr lang="en-US" sz="2800" dirty="0" err="1" smtClean="0"/>
+              <a:t>performanta</a:t>
+            </a:r>
+            <a:r>
+              <a:rPr lang="en-US" sz="2800" dirty="0" smtClean="0"/>
+              <a:t> </a:t>
+            </a:r>
+            <a:r>
+              <a:rPr lang="en-US" sz="2800" dirty="0" err="1" smtClean="0"/>
+              <a:t>dorita</a:t>
+            </a:r>
+            <a:r>
+              <a:rPr lang="en-US" sz="2800" dirty="0" smtClean="0"/>
+              <a:t> la un </a:t>
+            </a:r>
+            <a:r>
+              <a:rPr lang="en-US" sz="2800" dirty="0" err="1" smtClean="0"/>
+              <a:t>numar</a:t>
+            </a:r>
+            <a:r>
+              <a:rPr lang="en-US" sz="2800" dirty="0" smtClean="0"/>
+              <a:t> </a:t>
+            </a:r>
+            <a:r>
+              <a:rPr lang="en-US" sz="2800" dirty="0" err="1" smtClean="0"/>
+              <a:t>ridicat</a:t>
+            </a:r>
+            <a:r>
+              <a:rPr lang="en-US" sz="2800" dirty="0" smtClean="0"/>
+              <a:t> de </a:t>
+            </a:r>
+            <a:r>
+              <a:rPr lang="en-US" sz="2800" dirty="0" err="1" smtClean="0"/>
+              <a:t>jucatori</a:t>
+            </a:r>
+            <a:r>
+              <a:rPr lang="en-US" sz="2800" dirty="0" smtClean="0"/>
+              <a:t> </a:t>
+            </a:r>
+            <a:r>
+              <a:rPr lang="en-US" sz="2800" dirty="0" err="1" smtClean="0"/>
+              <a:t>ce</a:t>
+            </a:r>
+            <a:r>
+              <a:rPr lang="en-US" sz="2800" dirty="0" smtClean="0"/>
+              <a:t> </a:t>
+            </a:r>
+            <a:r>
+              <a:rPr lang="en-US" sz="2800" dirty="0" err="1" smtClean="0"/>
+              <a:t>utilizeaza</a:t>
+            </a:r>
+            <a:r>
+              <a:rPr lang="en-US" sz="2800" dirty="0" smtClean="0"/>
+              <a:t> </a:t>
+            </a:r>
+            <a:r>
+              <a:rPr lang="en-US" sz="2800" dirty="0" err="1" smtClean="0"/>
+              <a:t>aplicatia</a:t>
+            </a:r>
+            <a:r>
+              <a:rPr lang="en-US" sz="2800" dirty="0" smtClean="0"/>
+              <a:t> </a:t>
+            </a:r>
+            <a:r>
+              <a:rPr lang="en-US" sz="2800" dirty="0" err="1" smtClean="0"/>
+              <a:t>simultan</a:t>
+            </a:r>
+            <a:r>
+              <a:rPr lang="en-US" sz="2800" dirty="0" smtClean="0"/>
+              <a:t>.</a:t>
+            </a:r>
+          </a:p>
+          <a:p>
+            <a:pPr>
+              <a:buNone/>
+            </a:pPr>
+            <a:r>
+              <a:rPr lang="en-US" sz="2800" dirty="0" err="1" smtClean="0"/>
+              <a:t>Adaugarea</a:t>
+            </a:r>
+            <a:r>
+              <a:rPr lang="en-US" sz="2800" dirty="0" smtClean="0"/>
+              <a:t> </a:t>
+            </a:r>
+            <a:r>
+              <a:rPr lang="en-US" sz="2800" dirty="0" err="1" smtClean="0"/>
+              <a:t>unui</a:t>
+            </a:r>
+            <a:r>
+              <a:rPr lang="en-US" sz="2800" dirty="0" smtClean="0"/>
+              <a:t> </a:t>
+            </a:r>
+            <a:r>
+              <a:rPr lang="en-US" sz="2800" dirty="0" err="1" smtClean="0"/>
+              <a:t>dictionar</a:t>
+            </a:r>
+            <a:r>
+              <a:rPr lang="en-US" sz="2800" dirty="0" smtClean="0"/>
+              <a:t> de </a:t>
+            </a:r>
+            <a:r>
+              <a:rPr lang="en-US" sz="2800" dirty="0" err="1" smtClean="0"/>
+              <a:t>mutari</a:t>
+            </a:r>
+            <a:r>
+              <a:rPr lang="en-US" sz="2800" dirty="0" smtClean="0"/>
+              <a:t> </a:t>
+            </a:r>
+            <a:r>
+              <a:rPr lang="en-US" sz="2800" dirty="0" err="1" smtClean="0"/>
+              <a:t>pentru</a:t>
+            </a:r>
+            <a:r>
+              <a:rPr lang="en-US" sz="2800" dirty="0" smtClean="0"/>
+              <a:t> </a:t>
+            </a:r>
+            <a:r>
+              <a:rPr lang="en-US" sz="2800" dirty="0" err="1" smtClean="0"/>
+              <a:t>jucatorul</a:t>
+            </a:r>
+            <a:r>
+              <a:rPr lang="en-US" sz="2800" dirty="0" smtClean="0"/>
+              <a:t> virtual</a:t>
+            </a:r>
           </a:p>
         </p:txBody>
       </p:sp>
@@ -8417,13 +8904,6 @@
   <p:clrMapOvr>
     <a:masterClrMapping/>
   </p:clrMapOvr>
-  <p:timing>
-    <p:tnLst>
-      <p:par>
-        <p:cTn id="1" dur="indefinite" restart="never" nodeType="tmRoot"/>
-      </p:par>
-    </p:tnLst>
-  </p:timing>
 </p:sld>
 </file>
 
@@ -8471,21 +8951,22 @@
         <p:spPr/>
         <p:txBody>
           <a:bodyPr>
-            <a:normAutofit fontScale="90000"/>
+            <a:normAutofit/>
           </a:bodyPr>
           <a:lstStyle/>
           <a:p>
             <a:r>
               <a:rPr lang="en-US" b="1" dirty="0" err="1" smtClean="0"/>
-              <a:t>Concluzii</a:t>
+              <a:t>Referinte</a:t>
             </a:r>
             <a:r>
               <a:rPr lang="en-US" b="1" dirty="0" smtClean="0"/>
-              <a:t/>
-            </a:r>
-            <a:br>
-              <a:rPr lang="en-US" b="1" dirty="0" smtClean="0"/>
-            </a:br>
+              <a:t> </a:t>
+            </a:r>
+            <a:r>
+              <a:rPr lang="en-US" b="1" dirty="0" err="1" smtClean="0"/>
+              <a:t>bibliografice</a:t>
+            </a:r>
             <a:endParaRPr lang="en-US" b="1" dirty="0"/>
           </a:p>
         </p:txBody>
@@ -8510,700 +8991,6 @@
             <a:pPr>
               <a:buNone/>
             </a:pPr>
-            <a:r>
-              <a:rPr lang="en-US" b="1" dirty="0" err="1" smtClean="0"/>
-              <a:t>Sistemul</a:t>
-            </a:r>
-            <a:r>
-              <a:rPr lang="en-US" b="1" dirty="0" smtClean="0"/>
-              <a:t> </a:t>
-            </a:r>
-            <a:r>
-              <a:rPr lang="en-US" b="1" dirty="0" err="1" smtClean="0"/>
-              <a:t>reuseste</a:t>
-            </a:r>
-            <a:r>
-              <a:rPr lang="en-US" b="1" dirty="0" smtClean="0"/>
-              <a:t> </a:t>
-            </a:r>
-            <a:r>
-              <a:rPr lang="en-US" b="1" dirty="0" err="1" smtClean="0"/>
-              <a:t>sa</a:t>
-            </a:r>
-            <a:r>
-              <a:rPr lang="en-US" b="1" dirty="0" smtClean="0"/>
-              <a:t> </a:t>
-            </a:r>
-            <a:r>
-              <a:rPr lang="en-US" b="1" dirty="0" err="1" smtClean="0"/>
-              <a:t>isi</a:t>
-            </a:r>
-            <a:r>
-              <a:rPr lang="en-US" b="1" dirty="0" smtClean="0"/>
-              <a:t> </a:t>
-            </a:r>
-            <a:r>
-              <a:rPr lang="en-US" b="1" dirty="0" err="1" smtClean="0"/>
-              <a:t>atinga</a:t>
-            </a:r>
-            <a:r>
-              <a:rPr lang="en-US" b="1" dirty="0" smtClean="0"/>
-              <a:t> </a:t>
-            </a:r>
-            <a:r>
-              <a:rPr lang="en-US" b="1" dirty="0" err="1" smtClean="0"/>
-              <a:t>scopul</a:t>
-            </a:r>
-            <a:r>
-              <a:rPr lang="en-US" dirty="0" smtClean="0"/>
-              <a:t>, de a </a:t>
-            </a:r>
-            <a:r>
-              <a:rPr lang="en-US" dirty="0" err="1" smtClean="0"/>
-              <a:t>putea</a:t>
-            </a:r>
-            <a:r>
-              <a:rPr lang="en-US" dirty="0" smtClean="0"/>
-              <a:t> </a:t>
-            </a:r>
-            <a:r>
-              <a:rPr lang="en-US" dirty="0" err="1" smtClean="0"/>
-              <a:t>juca</a:t>
-            </a:r>
-            <a:r>
-              <a:rPr lang="en-US" dirty="0" smtClean="0"/>
-              <a:t> un </a:t>
-            </a:r>
-            <a:r>
-              <a:rPr lang="en-US" dirty="0" err="1" smtClean="0"/>
-              <a:t>meci</a:t>
-            </a:r>
-            <a:r>
-              <a:rPr lang="en-US" dirty="0" smtClean="0"/>
-              <a:t> de </a:t>
-            </a:r>
-            <a:r>
-              <a:rPr lang="en-US" dirty="0" err="1" smtClean="0"/>
-              <a:t>sah</a:t>
-            </a:r>
-            <a:r>
-              <a:rPr lang="en-US" dirty="0" smtClean="0"/>
-              <a:t> </a:t>
-            </a:r>
-            <a:r>
-              <a:rPr lang="en-US" dirty="0" err="1" smtClean="0"/>
-              <a:t>pe</a:t>
-            </a:r>
-            <a:r>
-              <a:rPr lang="en-US" dirty="0" smtClean="0"/>
-              <a:t> </a:t>
-            </a:r>
-            <a:r>
-              <a:rPr lang="en-US" dirty="0" err="1" smtClean="0"/>
-              <a:t>diferite</a:t>
-            </a:r>
-            <a:r>
-              <a:rPr lang="en-US" dirty="0" smtClean="0"/>
-              <a:t> </a:t>
-            </a:r>
-            <a:r>
-              <a:rPr lang="en-US" dirty="0" err="1" smtClean="0"/>
-              <a:t>nivele</a:t>
-            </a:r>
-            <a:r>
-              <a:rPr lang="en-US" dirty="0" smtClean="0"/>
-              <a:t> de </a:t>
-            </a:r>
-            <a:r>
-              <a:rPr lang="en-US" dirty="0" err="1" smtClean="0"/>
-              <a:t>dificultate</a:t>
-            </a:r>
-            <a:r>
-              <a:rPr lang="en-US" dirty="0" smtClean="0"/>
-              <a:t> cu </a:t>
-            </a:r>
-            <a:r>
-              <a:rPr lang="en-US" dirty="0" err="1" smtClean="0"/>
-              <a:t>timp</a:t>
-            </a:r>
-            <a:r>
-              <a:rPr lang="en-US" dirty="0" smtClean="0"/>
-              <a:t> de </a:t>
-            </a:r>
-            <a:r>
-              <a:rPr lang="en-US" dirty="0" err="1" smtClean="0"/>
-              <a:t>raspuns</a:t>
-            </a:r>
-            <a:r>
-              <a:rPr lang="en-US" dirty="0" smtClean="0"/>
-              <a:t> </a:t>
-            </a:r>
-            <a:r>
-              <a:rPr lang="en-US" dirty="0" err="1" smtClean="0"/>
-              <a:t>ce</a:t>
-            </a:r>
-            <a:r>
-              <a:rPr lang="en-US" dirty="0" smtClean="0"/>
-              <a:t> se </a:t>
-            </a:r>
-            <a:r>
-              <a:rPr lang="en-US" dirty="0" err="1" smtClean="0"/>
-              <a:t>incadreaza</a:t>
-            </a:r>
-            <a:r>
-              <a:rPr lang="en-US" dirty="0" smtClean="0"/>
-              <a:t> in </a:t>
-            </a:r>
-            <a:r>
-              <a:rPr lang="en-US" dirty="0" err="1" smtClean="0"/>
-              <a:t>cel</a:t>
-            </a:r>
-            <a:r>
-              <a:rPr lang="en-US" dirty="0" smtClean="0"/>
-              <a:t> </a:t>
-            </a:r>
-            <a:r>
-              <a:rPr lang="en-US" dirty="0" err="1" smtClean="0"/>
-              <a:t>stabilit</a:t>
-            </a:r>
-            <a:r>
-              <a:rPr lang="en-US" dirty="0" smtClean="0"/>
-              <a:t> in </a:t>
-            </a:r>
-            <a:r>
-              <a:rPr lang="en-US" dirty="0" err="1" smtClean="0"/>
-              <a:t>cadrul</a:t>
-            </a:r>
-            <a:r>
-              <a:rPr lang="en-US" dirty="0" smtClean="0"/>
-              <a:t> </a:t>
-            </a:r>
-            <a:r>
-              <a:rPr lang="en-US" dirty="0" err="1" smtClean="0"/>
-              <a:t>cerintelor</a:t>
-            </a:r>
-            <a:r>
-              <a:rPr lang="en-US" dirty="0" smtClean="0"/>
-              <a:t> </a:t>
-            </a:r>
-            <a:r>
-              <a:rPr lang="en-US" dirty="0" err="1" smtClean="0"/>
-              <a:t>nefunctionale</a:t>
-            </a:r>
-            <a:endParaRPr lang="en-US" dirty="0" smtClean="0"/>
-          </a:p>
-          <a:p>
-            <a:pPr>
-              <a:buNone/>
-            </a:pPr>
-            <a:r>
-              <a:rPr lang="en-US" b="1" dirty="0" err="1" smtClean="0"/>
-              <a:t>Sistemul</a:t>
-            </a:r>
-            <a:r>
-              <a:rPr lang="en-US" b="1" dirty="0" smtClean="0"/>
-              <a:t> </a:t>
-            </a:r>
-            <a:r>
-              <a:rPr lang="en-US" b="1" dirty="0" err="1" smtClean="0"/>
-              <a:t>ofera</a:t>
-            </a:r>
-            <a:r>
-              <a:rPr lang="en-US" b="1" dirty="0" smtClean="0"/>
-              <a:t> </a:t>
-            </a:r>
-            <a:r>
-              <a:rPr lang="en-US" b="1" dirty="0" err="1" smtClean="0"/>
-              <a:t>suport</a:t>
-            </a:r>
-            <a:r>
-              <a:rPr lang="en-US" b="1" dirty="0" smtClean="0"/>
-              <a:t> </a:t>
-            </a:r>
-            <a:r>
-              <a:rPr lang="en-US" b="1" dirty="0" err="1" smtClean="0"/>
-              <a:t>pentru</a:t>
-            </a:r>
-            <a:r>
-              <a:rPr lang="en-US" b="1" dirty="0" smtClean="0"/>
-              <a:t> de </a:t>
-            </a:r>
-            <a:r>
-              <a:rPr lang="en-US" b="1" dirty="0" err="1" smtClean="0"/>
-              <a:t>antrenament</a:t>
-            </a:r>
-            <a:r>
-              <a:rPr lang="en-US" b="1" dirty="0" smtClean="0"/>
-              <a:t> </a:t>
-            </a:r>
-            <a:r>
-              <a:rPr lang="en-US" b="1" dirty="0" err="1" smtClean="0"/>
-              <a:t>jucatorilor</a:t>
-            </a:r>
-            <a:r>
-              <a:rPr lang="en-US" b="1" dirty="0" smtClean="0"/>
-              <a:t> de </a:t>
-            </a:r>
-            <a:r>
-              <a:rPr lang="en-US" b="1" dirty="0" err="1" smtClean="0"/>
-              <a:t>sah</a:t>
-            </a:r>
-            <a:r>
-              <a:rPr lang="en-US" b="1" dirty="0" smtClean="0"/>
-              <a:t> </a:t>
-            </a:r>
-            <a:r>
-              <a:rPr lang="en-US" dirty="0" err="1" smtClean="0"/>
-              <a:t>prin</a:t>
-            </a:r>
-            <a:r>
-              <a:rPr lang="en-US" dirty="0" smtClean="0"/>
-              <a:t> </a:t>
-            </a:r>
-            <a:r>
-              <a:rPr lang="en-US" dirty="0" err="1" smtClean="0"/>
-              <a:t>expunerea</a:t>
-            </a:r>
-            <a:r>
-              <a:rPr lang="en-US" dirty="0" smtClean="0"/>
-              <a:t> de </a:t>
-            </a:r>
-            <a:r>
-              <a:rPr lang="en-US" dirty="0" err="1" smtClean="0"/>
-              <a:t>strategii</a:t>
-            </a:r>
-            <a:r>
-              <a:rPr lang="en-US" dirty="0" smtClean="0"/>
-              <a:t> de </a:t>
-            </a:r>
-            <a:r>
-              <a:rPr lang="en-US" dirty="0" err="1" smtClean="0"/>
-              <a:t>joc</a:t>
-            </a:r>
-            <a:r>
-              <a:rPr lang="en-US" dirty="0" smtClean="0"/>
-              <a:t> </a:t>
-            </a:r>
-            <a:r>
-              <a:rPr lang="en-US" dirty="0" err="1" smtClean="0"/>
-              <a:t>si</a:t>
-            </a:r>
-            <a:r>
-              <a:rPr lang="en-US" dirty="0" smtClean="0"/>
-              <a:t> </a:t>
-            </a:r>
-            <a:r>
-              <a:rPr lang="en-US" dirty="0" err="1" smtClean="0"/>
-              <a:t>probleme</a:t>
-            </a:r>
-            <a:r>
-              <a:rPr lang="en-US" dirty="0" smtClean="0"/>
-              <a:t>.</a:t>
-            </a:r>
-          </a:p>
-          <a:p>
-            <a:endParaRPr lang="en-US" dirty="0"/>
-          </a:p>
-        </p:txBody>
-      </p:sp>
-    </p:spTree>
-  </p:cSld>
-  <p:clrMapOvr>
-    <a:masterClrMapping/>
-  </p:clrMapOvr>
-  <p:timing>
-    <p:tnLst>
-      <p:par>
-        <p:cTn id="1" dur="indefinite" restart="never" nodeType="tmRoot"/>
-      </p:par>
-    </p:tnLst>
-  </p:timing>
-</p:sld>
-</file>
-
-<file path=ppt/slides/slide29.xml><?xml version="1.0" encoding="utf-8"?>
-<p:sld xmlns:a="http://schemas.openxmlformats.org/drawingml/2006/main" xmlns:r="http://schemas.openxmlformats.org/officeDocument/2006/relationships" xmlns:p="http://schemas.openxmlformats.org/presentationml/2006/main">
-  <p:cSld>
-    <p:bg>
-      <p:bgPr>
-        <a:blipFill dpi="0" rotWithShape="1">
-          <a:blip r:embed="rId2" cstate="print">
-            <a:lum/>
-          </a:blip>
-          <a:srcRect/>
-          <a:stretch>
-            <a:fillRect/>
-          </a:stretch>
-        </a:blipFill>
-        <a:effectLst/>
-      </p:bgPr>
-    </p:bg>
-    <p:spTree>
-      <p:nvGrpSpPr>
-        <p:cNvPr id="1" name=""/>
-        <p:cNvGrpSpPr/>
-        <p:nvPr/>
-      </p:nvGrpSpPr>
-      <p:grpSpPr>
-        <a:xfrm>
-          <a:off x="0" y="0"/>
-          <a:ext cx="0" cy="0"/>
-          <a:chOff x="0" y="0"/>
-          <a:chExt cx="0" cy="0"/>
-        </a:xfrm>
-      </p:grpSpPr>
-      <p:sp>
-        <p:nvSpPr>
-          <p:cNvPr id="2" name="Title 1"/>
-          <p:cNvSpPr>
-            <a:spLocks noGrp="1"/>
-          </p:cNvSpPr>
-          <p:nvPr>
-            <p:ph type="title"/>
-          </p:nvPr>
-        </p:nvSpPr>
-        <p:spPr/>
-        <p:txBody>
-          <a:bodyPr>
-            <a:normAutofit/>
-          </a:bodyPr>
-          <a:lstStyle/>
-          <a:p>
-            <a:r>
-              <a:rPr lang="en-US" b="1" dirty="0" err="1" smtClean="0"/>
-              <a:t>Dezvoltari</a:t>
-            </a:r>
-            <a:r>
-              <a:rPr lang="en-US" b="1" dirty="0" smtClean="0"/>
-              <a:t> </a:t>
-            </a:r>
-            <a:r>
-              <a:rPr lang="en-US" b="1" dirty="0" err="1" smtClean="0"/>
-              <a:t>viitoare</a:t>
-            </a:r>
-            <a:endParaRPr lang="en-US" b="1" dirty="0"/>
-          </a:p>
-        </p:txBody>
-      </p:sp>
-      <p:sp>
-        <p:nvSpPr>
-          <p:cNvPr id="3" name="Content Placeholder 2"/>
-          <p:cNvSpPr>
-            <a:spLocks noGrp="1"/>
-          </p:cNvSpPr>
-          <p:nvPr>
-            <p:ph idx="1"/>
-          </p:nvPr>
-        </p:nvSpPr>
-        <p:spPr/>
-        <p:txBody>
-          <a:bodyPr>
-            <a:normAutofit/>
-          </a:bodyPr>
-          <a:lstStyle/>
-          <a:p>
-            <a:pPr>
-              <a:buNone/>
-            </a:pPr>
-            <a:r>
-              <a:rPr lang="en-US" sz="2800" dirty="0" err="1" smtClean="0"/>
-              <a:t>Extragerea</a:t>
-            </a:r>
-            <a:r>
-              <a:rPr lang="en-US" sz="2800" dirty="0" smtClean="0"/>
-              <a:t> </a:t>
-            </a:r>
-            <a:r>
-              <a:rPr lang="en-US" sz="2800" dirty="0" err="1" smtClean="0"/>
-              <a:t>jucatorului</a:t>
-            </a:r>
-            <a:r>
-              <a:rPr lang="en-US" sz="2800" dirty="0" smtClean="0"/>
-              <a:t> virtual </a:t>
-            </a:r>
-            <a:r>
-              <a:rPr lang="en-US" sz="2800" dirty="0" err="1" smtClean="0"/>
-              <a:t>intr</a:t>
-            </a:r>
-            <a:r>
-              <a:rPr lang="en-US" sz="2800" dirty="0" smtClean="0"/>
-              <a:t>-un </a:t>
-            </a:r>
-            <a:r>
-              <a:rPr lang="en-US" sz="2800" dirty="0" err="1" smtClean="0"/>
-              <a:t>serviciu</a:t>
-            </a:r>
-            <a:r>
-              <a:rPr lang="en-US" sz="2800" dirty="0" smtClean="0"/>
-              <a:t> WEB </a:t>
-            </a:r>
-            <a:r>
-              <a:rPr lang="en-US" sz="2800" dirty="0" err="1" smtClean="0"/>
-              <a:t>separat</a:t>
-            </a:r>
-            <a:endParaRPr lang="en-US" sz="2800" dirty="0" smtClean="0"/>
-          </a:p>
-          <a:p>
-            <a:pPr>
-              <a:buNone/>
-            </a:pPr>
-            <a:r>
-              <a:rPr lang="en-US" sz="2800" dirty="0" err="1" smtClean="0"/>
-              <a:t>Folosirea</a:t>
-            </a:r>
-            <a:r>
-              <a:rPr lang="en-US" sz="2800" dirty="0" smtClean="0"/>
-              <a:t> </a:t>
-            </a:r>
-            <a:r>
-              <a:rPr lang="en-US" sz="2800" dirty="0" err="1" smtClean="0"/>
-              <a:t>arhitecturii</a:t>
-            </a:r>
-            <a:r>
-              <a:rPr lang="en-US" sz="2800" dirty="0" smtClean="0"/>
-              <a:t> cluster </a:t>
-            </a:r>
-            <a:r>
-              <a:rPr lang="en-US" sz="2800" dirty="0" err="1" smtClean="0"/>
-              <a:t>pentru</a:t>
-            </a:r>
-            <a:r>
-              <a:rPr lang="en-US" sz="2800" dirty="0" smtClean="0"/>
-              <a:t> </a:t>
-            </a:r>
-            <a:r>
-              <a:rPr lang="en-US" sz="2800" dirty="0" err="1" smtClean="0"/>
-              <a:t>jucatorul</a:t>
-            </a:r>
-            <a:r>
-              <a:rPr lang="en-US" sz="2800" dirty="0" smtClean="0"/>
-              <a:t> virtual – </a:t>
-            </a:r>
-            <a:r>
-              <a:rPr lang="en-US" sz="2800" dirty="0" err="1" smtClean="0"/>
-              <a:t>instalarea</a:t>
-            </a:r>
-            <a:r>
-              <a:rPr lang="en-US" sz="2800" dirty="0" smtClean="0"/>
-              <a:t> </a:t>
-            </a:r>
-            <a:r>
-              <a:rPr lang="en-US" sz="2800" dirty="0" err="1" smtClean="0"/>
-              <a:t>serviciului</a:t>
-            </a:r>
-            <a:r>
-              <a:rPr lang="en-US" sz="2800" dirty="0" smtClean="0"/>
-              <a:t> WEB cu </a:t>
-            </a:r>
-            <a:r>
-              <a:rPr lang="en-US" sz="2800" dirty="0" err="1" smtClean="0"/>
-              <a:t>jucatorul</a:t>
-            </a:r>
-            <a:r>
-              <a:rPr lang="en-US" sz="2800" dirty="0" smtClean="0"/>
-              <a:t> virtual </a:t>
-            </a:r>
-            <a:r>
-              <a:rPr lang="en-US" sz="2800" dirty="0" err="1" smtClean="0"/>
-              <a:t>pe</a:t>
-            </a:r>
-            <a:r>
-              <a:rPr lang="en-US" sz="2800" dirty="0" smtClean="0"/>
-              <a:t> </a:t>
-            </a:r>
-            <a:r>
-              <a:rPr lang="en-US" sz="2800" dirty="0" err="1" smtClean="0"/>
-              <a:t>mai</a:t>
-            </a:r>
-            <a:r>
-              <a:rPr lang="en-US" sz="2800" dirty="0" smtClean="0"/>
-              <a:t> </a:t>
-            </a:r>
-            <a:r>
-              <a:rPr lang="en-US" sz="2800" dirty="0" err="1" smtClean="0"/>
-              <a:t>multe</a:t>
-            </a:r>
-            <a:r>
-              <a:rPr lang="en-US" sz="2800" dirty="0" smtClean="0"/>
-              <a:t> </a:t>
-            </a:r>
-            <a:r>
-              <a:rPr lang="en-US" sz="2800" dirty="0" err="1" smtClean="0"/>
-              <a:t>servere</a:t>
-            </a:r>
-            <a:r>
-              <a:rPr lang="en-US" sz="2800" dirty="0" smtClean="0"/>
-              <a:t> </a:t>
-            </a:r>
-            <a:r>
-              <a:rPr lang="en-US" sz="2800" dirty="0" err="1" smtClean="0"/>
-              <a:t>si</a:t>
-            </a:r>
-            <a:r>
-              <a:rPr lang="en-US" sz="2800" dirty="0" smtClean="0"/>
-              <a:t> </a:t>
-            </a:r>
-            <a:r>
-              <a:rPr lang="en-US" sz="2800" dirty="0" err="1" smtClean="0"/>
-              <a:t>folosirea</a:t>
-            </a:r>
-            <a:r>
-              <a:rPr lang="en-US" sz="2800" dirty="0" smtClean="0"/>
-              <a:t> </a:t>
-            </a:r>
-            <a:r>
-              <a:rPr lang="en-US" sz="2800" dirty="0" err="1" smtClean="0"/>
-              <a:t>unui</a:t>
-            </a:r>
-            <a:r>
-              <a:rPr lang="en-US" sz="2800" dirty="0" smtClean="0"/>
-              <a:t> load balancer </a:t>
-            </a:r>
-            <a:r>
-              <a:rPr lang="en-US" sz="2800" dirty="0" err="1" smtClean="0"/>
-              <a:t>pentru</a:t>
-            </a:r>
-            <a:r>
-              <a:rPr lang="en-US" sz="2800" dirty="0" smtClean="0"/>
-              <a:t> a </a:t>
-            </a:r>
-            <a:r>
-              <a:rPr lang="en-US" sz="2800" dirty="0" err="1" smtClean="0"/>
-              <a:t>obtine</a:t>
-            </a:r>
-            <a:r>
-              <a:rPr lang="en-US" sz="2800" dirty="0" smtClean="0"/>
-              <a:t> </a:t>
-            </a:r>
-            <a:r>
-              <a:rPr lang="en-US" sz="2800" dirty="0" err="1" smtClean="0"/>
-              <a:t>performanta</a:t>
-            </a:r>
-            <a:r>
-              <a:rPr lang="en-US" sz="2800" dirty="0" smtClean="0"/>
-              <a:t> </a:t>
-            </a:r>
-            <a:r>
-              <a:rPr lang="en-US" sz="2800" dirty="0" err="1" smtClean="0"/>
-              <a:t>dorita</a:t>
-            </a:r>
-            <a:r>
-              <a:rPr lang="en-US" sz="2800" dirty="0" smtClean="0"/>
-              <a:t> la un </a:t>
-            </a:r>
-            <a:r>
-              <a:rPr lang="en-US" sz="2800" dirty="0" err="1" smtClean="0"/>
-              <a:t>numar</a:t>
-            </a:r>
-            <a:r>
-              <a:rPr lang="en-US" sz="2800" dirty="0" smtClean="0"/>
-              <a:t> </a:t>
-            </a:r>
-            <a:r>
-              <a:rPr lang="en-US" sz="2800" dirty="0" err="1" smtClean="0"/>
-              <a:t>ridicat</a:t>
-            </a:r>
-            <a:r>
-              <a:rPr lang="en-US" sz="2800" dirty="0" smtClean="0"/>
-              <a:t> de </a:t>
-            </a:r>
-            <a:r>
-              <a:rPr lang="en-US" sz="2800" dirty="0" err="1" smtClean="0"/>
-              <a:t>jucatori</a:t>
-            </a:r>
-            <a:r>
-              <a:rPr lang="en-US" sz="2800" dirty="0" smtClean="0"/>
-              <a:t> </a:t>
-            </a:r>
-            <a:r>
-              <a:rPr lang="en-US" sz="2800" dirty="0" err="1" smtClean="0"/>
-              <a:t>ce</a:t>
-            </a:r>
-            <a:r>
-              <a:rPr lang="en-US" sz="2800" dirty="0" smtClean="0"/>
-              <a:t> </a:t>
-            </a:r>
-            <a:r>
-              <a:rPr lang="en-US" sz="2800" dirty="0" err="1" smtClean="0"/>
-              <a:t>utilizeaza</a:t>
-            </a:r>
-            <a:r>
-              <a:rPr lang="en-US" sz="2800" dirty="0" smtClean="0"/>
-              <a:t> </a:t>
-            </a:r>
-            <a:r>
-              <a:rPr lang="en-US" sz="2800" dirty="0" err="1" smtClean="0"/>
-              <a:t>aplicatia</a:t>
-            </a:r>
-            <a:r>
-              <a:rPr lang="en-US" sz="2800" dirty="0" smtClean="0"/>
-              <a:t> </a:t>
-            </a:r>
-            <a:r>
-              <a:rPr lang="en-US" sz="2800" dirty="0" err="1" smtClean="0"/>
-              <a:t>simultan</a:t>
-            </a:r>
-            <a:r>
-              <a:rPr lang="en-US" sz="2800" dirty="0" smtClean="0"/>
-              <a:t>.</a:t>
-            </a:r>
-          </a:p>
-          <a:p>
-            <a:pPr>
-              <a:buNone/>
-            </a:pPr>
-            <a:r>
-              <a:rPr lang="en-US" sz="2800" dirty="0" err="1" smtClean="0"/>
-              <a:t>Adaugarea</a:t>
-            </a:r>
-            <a:r>
-              <a:rPr lang="en-US" sz="2800" dirty="0" smtClean="0"/>
-              <a:t> </a:t>
-            </a:r>
-            <a:r>
-              <a:rPr lang="en-US" sz="2800" dirty="0" err="1" smtClean="0"/>
-              <a:t>unui</a:t>
-            </a:r>
-            <a:r>
-              <a:rPr lang="en-US" sz="2800" dirty="0" smtClean="0"/>
-              <a:t> </a:t>
-            </a:r>
-            <a:r>
-              <a:rPr lang="en-US" sz="2800" dirty="0" err="1" smtClean="0"/>
-              <a:t>dictionar</a:t>
-            </a:r>
-            <a:r>
-              <a:rPr lang="en-US" sz="2800" dirty="0" smtClean="0"/>
-              <a:t> de </a:t>
-            </a:r>
-            <a:r>
-              <a:rPr lang="en-US" sz="2800" dirty="0" err="1" smtClean="0"/>
-              <a:t>mutari</a:t>
-            </a:r>
-            <a:r>
-              <a:rPr lang="en-US" sz="2800" dirty="0" smtClean="0"/>
-              <a:t> </a:t>
-            </a:r>
-            <a:r>
-              <a:rPr lang="en-US" sz="2800" dirty="0" err="1" smtClean="0"/>
-              <a:t>pentru</a:t>
-            </a:r>
-            <a:r>
-              <a:rPr lang="en-US" sz="2800" dirty="0" smtClean="0"/>
-              <a:t> </a:t>
-            </a:r>
-            <a:r>
-              <a:rPr lang="en-US" sz="2800" dirty="0" err="1" smtClean="0"/>
-              <a:t>jucatorul</a:t>
-            </a:r>
-            <a:r>
-              <a:rPr lang="en-US" sz="2800" dirty="0" smtClean="0"/>
-              <a:t> </a:t>
-            </a:r>
-            <a:r>
-              <a:rPr lang="en-US" sz="2800" dirty="0" smtClean="0"/>
-              <a:t>virtual</a:t>
-            </a:r>
             <a:endParaRPr lang="en-US" sz="2800" dirty="0" smtClean="0"/>
           </a:p>
         </p:txBody>
@@ -9473,102 +9260,6 @@
       </p:par>
     </p:tnLst>
   </p:timing>
-</p:sld>
-</file>
-
-<file path=ppt/slides/slide30.xml><?xml version="1.0" encoding="utf-8"?>
-<p:sld xmlns:a="http://schemas.openxmlformats.org/drawingml/2006/main" xmlns:r="http://schemas.openxmlformats.org/officeDocument/2006/relationships" xmlns:p="http://schemas.openxmlformats.org/presentationml/2006/main">
-  <p:cSld>
-    <p:bg>
-      <p:bgPr>
-        <a:blipFill dpi="0" rotWithShape="1">
-          <a:blip r:embed="rId2" cstate="print">
-            <a:lum/>
-          </a:blip>
-          <a:srcRect/>
-          <a:stretch>
-            <a:fillRect/>
-          </a:stretch>
-        </a:blipFill>
-        <a:effectLst/>
-      </p:bgPr>
-    </p:bg>
-    <p:spTree>
-      <p:nvGrpSpPr>
-        <p:cNvPr id="1" name=""/>
-        <p:cNvGrpSpPr/>
-        <p:nvPr/>
-      </p:nvGrpSpPr>
-      <p:grpSpPr>
-        <a:xfrm>
-          <a:off x="0" y="0"/>
-          <a:ext cx="0" cy="0"/>
-          <a:chOff x="0" y="0"/>
-          <a:chExt cx="0" cy="0"/>
-        </a:xfrm>
-      </p:grpSpPr>
-      <p:sp>
-        <p:nvSpPr>
-          <p:cNvPr id="2" name="Title 1"/>
-          <p:cNvSpPr>
-            <a:spLocks noGrp="1"/>
-          </p:cNvSpPr>
-          <p:nvPr>
-            <p:ph type="title"/>
-          </p:nvPr>
-        </p:nvSpPr>
-        <p:spPr/>
-        <p:txBody>
-          <a:bodyPr>
-            <a:normAutofit/>
-          </a:bodyPr>
-          <a:lstStyle/>
-          <a:p>
-            <a:r>
-              <a:rPr lang="en-US" b="1" dirty="0" err="1" smtClean="0"/>
-              <a:t>Referinte</a:t>
-            </a:r>
-            <a:r>
-              <a:rPr lang="en-US" b="1" dirty="0" smtClean="0"/>
-              <a:t> </a:t>
-            </a:r>
-            <a:r>
-              <a:rPr lang="en-US" b="1" dirty="0" err="1" smtClean="0"/>
-              <a:t>bibliografice</a:t>
-            </a:r>
-            <a:endParaRPr lang="en-US" b="1" dirty="0"/>
-          </a:p>
-        </p:txBody>
-      </p:sp>
-      <p:sp>
-        <p:nvSpPr>
-          <p:cNvPr id="3" name="Content Placeholder 2"/>
-          <p:cNvSpPr>
-            <a:spLocks noGrp="1"/>
-          </p:cNvSpPr>
-          <p:nvPr>
-            <p:ph idx="1"/>
-          </p:nvPr>
-        </p:nvSpPr>
-        <p:spPr/>
-        <p:txBody>
-          <a:bodyPr>
-            <a:normAutofit/>
-          </a:bodyPr>
-          <a:lstStyle/>
-          <a:p>
-            <a:pPr>
-              <a:buNone/>
-            </a:pPr>
-            <a:endParaRPr lang="en-US" sz="2800" dirty="0" smtClean="0"/>
-          </a:p>
-        </p:txBody>
-      </p:sp>
-    </p:spTree>
-  </p:cSld>
-  <p:clrMapOvr>
-    <a:masterClrMapping/>
-  </p:clrMapOvr>
 </p:sld>
 </file>
 
@@ -11751,14 +11442,102 @@
                         </a:spcAft>
                       </a:pPr>
                       <a:r>
-                        <a:rPr lang="en-GB" sz="1000" b="1">
+                        <a:rPr lang="en-GB" sz="1000" b="1" dirty="0" err="1">
                           <a:latin typeface="Arial"/>
                           <a:ea typeface="Times New Roman"/>
                           <a:cs typeface="Times New Roman"/>
                         </a:rPr>
-                        <a:t>Performanta sistemului este dependenta de statia jucatorului</a:t>
+                        <a:t>Performanta</a:t>
                       </a:r>
-                      <a:endParaRPr lang="en-US" sz="1000" b="1">
+                      <a:r>
+                        <a:rPr lang="en-GB" sz="1000" b="1" dirty="0">
+                          <a:latin typeface="Arial"/>
+                          <a:ea typeface="Times New Roman"/>
+                          <a:cs typeface="Times New Roman"/>
+                        </a:rPr>
+                        <a:t> </a:t>
+                      </a:r>
+                      <a:r>
+                        <a:rPr lang="en-GB" sz="1000" b="1" dirty="0" err="1">
+                          <a:latin typeface="Arial"/>
+                          <a:ea typeface="Times New Roman"/>
+                          <a:cs typeface="Times New Roman"/>
+                        </a:rPr>
+                        <a:t>sistemului</a:t>
+                      </a:r>
+                      <a:r>
+                        <a:rPr lang="en-GB" sz="1000" b="1" dirty="0">
+                          <a:latin typeface="Arial"/>
+                          <a:ea typeface="Times New Roman"/>
+                          <a:cs typeface="Times New Roman"/>
+                        </a:rPr>
+                        <a:t> </a:t>
+                      </a:r>
+                      <a:r>
+                        <a:rPr lang="en-GB" sz="1000" b="1" dirty="0" smtClean="0">
+                          <a:latin typeface="Arial"/>
+                          <a:ea typeface="Times New Roman"/>
+                          <a:cs typeface="Times New Roman"/>
+                        </a:rPr>
+                        <a:t>nu </a:t>
+                      </a:r>
+                      <a:r>
+                        <a:rPr lang="en-GB" sz="1000" b="1" dirty="0" err="1" smtClean="0">
+                          <a:latin typeface="Arial"/>
+                          <a:ea typeface="Times New Roman"/>
+                          <a:cs typeface="Times New Roman"/>
+                        </a:rPr>
+                        <a:t>este</a:t>
+                      </a:r>
+                      <a:r>
+                        <a:rPr lang="en-GB" sz="1000" b="1" dirty="0" smtClean="0">
+                          <a:latin typeface="Arial"/>
+                          <a:ea typeface="Times New Roman"/>
+                          <a:cs typeface="Times New Roman"/>
+                        </a:rPr>
+                        <a:t> </a:t>
+                      </a:r>
+                      <a:r>
+                        <a:rPr lang="en-GB" sz="1000" b="1" dirty="0" err="1">
+                          <a:latin typeface="Arial"/>
+                          <a:ea typeface="Times New Roman"/>
+                          <a:cs typeface="Times New Roman"/>
+                        </a:rPr>
+                        <a:t>dependenta</a:t>
+                      </a:r>
+                      <a:r>
+                        <a:rPr lang="en-GB" sz="1000" b="1" dirty="0">
+                          <a:latin typeface="Arial"/>
+                          <a:ea typeface="Times New Roman"/>
+                          <a:cs typeface="Times New Roman"/>
+                        </a:rPr>
+                        <a:t> de </a:t>
+                      </a:r>
+                      <a:r>
+                        <a:rPr lang="en-GB" sz="1000" b="1" dirty="0" err="1">
+                          <a:latin typeface="Arial"/>
+                          <a:ea typeface="Times New Roman"/>
+                          <a:cs typeface="Times New Roman"/>
+                        </a:rPr>
+                        <a:t>statia</a:t>
+                      </a:r>
+                      <a:r>
+                        <a:rPr lang="en-GB" sz="1000" b="1" dirty="0">
+                          <a:latin typeface="Arial"/>
+                          <a:ea typeface="Times New Roman"/>
+                          <a:cs typeface="Times New Roman"/>
+                        </a:rPr>
+                        <a:t> </a:t>
+                      </a:r>
+                      <a:r>
+                        <a:rPr lang="en-GB" sz="1000" b="1" dirty="0" err="1">
+                          <a:latin typeface="Arial"/>
+                          <a:ea typeface="Times New Roman"/>
+                          <a:cs typeface="Times New Roman"/>
+                        </a:rPr>
+                        <a:t>jucatorului</a:t>
+                      </a:r>
+                      <a:endParaRPr lang="en-US" sz="1000" b="1" dirty="0">
                         <a:latin typeface="Arial"/>
                         <a:ea typeface="Times New Roman"/>
                         <a:cs typeface="Times New Roman"/>
@@ -12799,32 +12578,6 @@
       </p:pic>
       <p:pic>
         <p:nvPicPr>
-          <p:cNvPr id="31" name="Picture 3" descr="E:\Facultate\Licenta\Documentation written by me\Documente facute pentru facultate\checked.png"/>
-          <p:cNvPicPr>
-            <a:picLocks noChangeAspect="1" noChangeArrowheads="1"/>
-          </p:cNvPicPr>
-          <p:nvPr/>
-        </p:nvPicPr>
-        <p:blipFill>
-          <a:blip r:embed="rId3" cstate="print"/>
-          <a:srcRect/>
-          <a:stretch>
-            <a:fillRect/>
-          </a:stretch>
-        </p:blipFill>
-        <p:spPr bwMode="auto">
-          <a:xfrm>
-            <a:off x="7467600" y="4419600"/>
-            <a:ext cx="236848" cy="261938"/>
-          </a:xfrm>
-          <a:prstGeom prst="rect">
-            <a:avLst/>
-          </a:prstGeom>
-          <a:noFill/>
-        </p:spPr>
-      </p:pic>
-      <p:pic>
-        <p:nvPicPr>
           <p:cNvPr id="32" name="Picture 3" descr="E:\Facultate\Licenta\Documentation written by me\Documente facute pentru facultate\checked.png"/>
           <p:cNvPicPr>
             <a:picLocks noChangeAspect="1" noChangeArrowheads="1"/>
@@ -12981,58 +12734,6 @@
       </p:pic>
       <p:pic>
         <p:nvPicPr>
-          <p:cNvPr id="38" name="Picture 4" descr="E:\Facultate\Licenta\Documentation written by me\Documente facute pentru facultate\not-checked-checked-and-unchecked-hi.png"/>
-          <p:cNvPicPr>
-            <a:picLocks noChangeAspect="1" noChangeArrowheads="1"/>
-          </p:cNvPicPr>
-          <p:nvPr/>
-        </p:nvPicPr>
-        <p:blipFill>
-          <a:blip r:embed="rId4" cstate="print"/>
-          <a:srcRect/>
-          <a:stretch>
-            <a:fillRect/>
-          </a:stretch>
-        </p:blipFill>
-        <p:spPr bwMode="auto">
-          <a:xfrm>
-            <a:off x="5257800" y="4419600"/>
-            <a:ext cx="218980" cy="261938"/>
-          </a:xfrm>
-          <a:prstGeom prst="rect">
-            <a:avLst/>
-          </a:prstGeom>
-          <a:noFill/>
-        </p:spPr>
-      </p:pic>
-      <p:pic>
-        <p:nvPicPr>
-          <p:cNvPr id="39" name="Picture 4" descr="E:\Facultate\Licenta\Documentation written by me\Documente facute pentru facultate\not-checked-checked-and-unchecked-hi.png"/>
-          <p:cNvPicPr>
-            <a:picLocks noChangeAspect="1" noChangeArrowheads="1"/>
-          </p:cNvPicPr>
-          <p:nvPr/>
-        </p:nvPicPr>
-        <p:blipFill>
-          <a:blip r:embed="rId4" cstate="print"/>
-          <a:srcRect/>
-          <a:stretch>
-            <a:fillRect/>
-          </a:stretch>
-        </p:blipFill>
-        <p:spPr bwMode="auto">
-          <a:xfrm>
-            <a:off x="3124200" y="4419600"/>
-            <a:ext cx="218980" cy="261938"/>
-          </a:xfrm>
-          <a:prstGeom prst="rect">
-            <a:avLst/>
-          </a:prstGeom>
-          <a:noFill/>
-        </p:spPr>
-      </p:pic>
-      <p:pic>
-        <p:nvPicPr>
           <p:cNvPr id="40" name="Picture 4" descr="E:\Facultate\Licenta\Documentation written by me\Documente facute pentru facultate\not-checked-checked-and-unchecked-hi.png"/>
           <p:cNvPicPr>
             <a:picLocks noChangeAspect="1" noChangeArrowheads="1"/>
@@ -13049,6 +12750,84 @@
         <p:spPr bwMode="auto">
           <a:xfrm>
             <a:off x="3124200" y="4876800"/>
+            <a:ext cx="218980" cy="261938"/>
+          </a:xfrm>
+          <a:prstGeom prst="rect">
+            <a:avLst/>
+          </a:prstGeom>
+          <a:noFill/>
+        </p:spPr>
+      </p:pic>
+      <p:pic>
+        <p:nvPicPr>
+          <p:cNvPr id="41" name="Picture 3" descr="E:\Facultate\Licenta\Documentation written by me\Documente facute pentru facultate\checked.png"/>
+          <p:cNvPicPr>
+            <a:picLocks noChangeAspect="1" noChangeArrowheads="1"/>
+          </p:cNvPicPr>
+          <p:nvPr/>
+        </p:nvPicPr>
+        <p:blipFill>
+          <a:blip r:embed="rId3" cstate="print"/>
+          <a:srcRect/>
+          <a:stretch>
+            <a:fillRect/>
+          </a:stretch>
+        </p:blipFill>
+        <p:spPr bwMode="auto">
+          <a:xfrm>
+            <a:off x="3124200" y="4419600"/>
+            <a:ext cx="236848" cy="261938"/>
+          </a:xfrm>
+          <a:prstGeom prst="rect">
+            <a:avLst/>
+          </a:prstGeom>
+          <a:noFill/>
+        </p:spPr>
+      </p:pic>
+      <p:pic>
+        <p:nvPicPr>
+          <p:cNvPr id="42" name="Picture 3" descr="E:\Facultate\Licenta\Documentation written by me\Documente facute pentru facultate\checked.png"/>
+          <p:cNvPicPr>
+            <a:picLocks noChangeAspect="1" noChangeArrowheads="1"/>
+          </p:cNvPicPr>
+          <p:nvPr/>
+        </p:nvPicPr>
+        <p:blipFill>
+          <a:blip r:embed="rId3" cstate="print"/>
+          <a:srcRect/>
+          <a:stretch>
+            <a:fillRect/>
+          </a:stretch>
+        </p:blipFill>
+        <p:spPr bwMode="auto">
+          <a:xfrm>
+            <a:off x="5257800" y="4419600"/>
+            <a:ext cx="236848" cy="261938"/>
+          </a:xfrm>
+          <a:prstGeom prst="rect">
+            <a:avLst/>
+          </a:prstGeom>
+          <a:noFill/>
+        </p:spPr>
+      </p:pic>
+      <p:pic>
+        <p:nvPicPr>
+          <p:cNvPr id="43" name="Picture 4" descr="E:\Facultate\Licenta\Documentation written by me\Documente facute pentru facultate\not-checked-checked-and-unchecked-hi.png"/>
+          <p:cNvPicPr>
+            <a:picLocks noChangeAspect="1" noChangeArrowheads="1"/>
+          </p:cNvPicPr>
+          <p:nvPr/>
+        </p:nvPicPr>
+        <p:blipFill>
+          <a:blip r:embed="rId4" cstate="print"/>
+          <a:srcRect/>
+          <a:stretch>
+            <a:fillRect/>
+          </a:stretch>
+        </p:blipFill>
+        <p:spPr bwMode="auto">
+          <a:xfrm>
+            <a:off x="7467600" y="4419600"/>
             <a:ext cx="218980" cy="261938"/>
           </a:xfrm>
           <a:prstGeom prst="rect">
